--- a/中期考核/答辩ppt.pptx
+++ b/中期考核/答辩ppt.pptx
@@ -18,15 +18,17 @@
     <p:sldId id="264" r:id="rId12"/>
     <p:sldId id="272" r:id="rId13"/>
     <p:sldId id="265" r:id="rId14"/>
-    <p:sldId id="266" r:id="rId15"/>
-    <p:sldId id="273" r:id="rId16"/>
-    <p:sldId id="267" r:id="rId17"/>
-    <p:sldId id="274" r:id="rId18"/>
-    <p:sldId id="268" r:id="rId19"/>
-    <p:sldId id="275" r:id="rId20"/>
-    <p:sldId id="269" r:id="rId21"/>
-    <p:sldId id="276" r:id="rId22"/>
-    <p:sldId id="277" r:id="rId23"/>
+    <p:sldId id="278" r:id="rId15"/>
+    <p:sldId id="279" r:id="rId16"/>
+    <p:sldId id="266" r:id="rId17"/>
+    <p:sldId id="273" r:id="rId18"/>
+    <p:sldId id="267" r:id="rId19"/>
+    <p:sldId id="274" r:id="rId20"/>
+    <p:sldId id="268" r:id="rId21"/>
+    <p:sldId id="275" r:id="rId22"/>
+    <p:sldId id="269" r:id="rId23"/>
+    <p:sldId id="276" r:id="rId24"/>
+    <p:sldId id="277" r:id="rId25"/>
   </p:sldIdLst>
   <p:sldSz cx="12192000" cy="6858000"/>
   <p:notesSz cx="6858000" cy="9144000"/>
@@ -125,6 +127,11 @@
       </a:defRPr>
     </a:lvl9pPr>
   </p:defaultTextStyle>
+  <p:extLst>
+    <p:ext uri="{EFAFB233-063F-42B5-8137-9DF3F51BA10A}">
+      <p15:sldGuideLst xmlns:p15="http://schemas.microsoft.com/office/powerpoint/2012/main"/>
+    </p:ext>
+  </p:extLst>
 </p:presentation>
 </file>
 
@@ -4646,7 +4653,7 @@
           <p:cNvPr id="2" name="标题 1">
             <a:extLst>
               <a:ext uri="{FF2B5EF4-FFF2-40B4-BE49-F238E27FC236}">
-                <a16:creationId xmlns:a16="http://schemas.microsoft.com/office/drawing/2014/main" id="{E7F97C9E-3023-3B4E-A33A-9E8DDCB194D1}"/>
+                <a16:creationId xmlns:a16="http://schemas.microsoft.com/office/drawing/2014/main" id="{2587FEFE-4468-BF43-A1D9-2EE5E46374B7}"/>
               </a:ext>
             </a:extLst>
           </p:cNvPr>
@@ -4663,8 +4670,139 @@
           <a:lstStyle/>
           <a:p>
             <a:r>
-              <a:rPr lang="zh-CN" altLang="en-US" b="1" dirty="0"/>
-              <a:t>朴素贝叶斯算法 </a:t>
+              <a:rPr kumimoji="1" lang="zh-CN" altLang="en-US" dirty="0"/>
+              <a:t>实践</a:t>
+            </a:r>
+            <a:r>
+              <a:rPr kumimoji="1" lang="en-US" altLang="zh-CN" dirty="0"/>
+              <a:t>——</a:t>
+            </a:r>
+            <a:r>
+              <a:rPr kumimoji="1" lang="zh-CN" altLang="en-US" dirty="0"/>
+              <a:t>分类</a:t>
+            </a:r>
+          </a:p>
+        </p:txBody>
+      </p:sp>
+      <p:pic>
+        <p:nvPicPr>
+          <p:cNvPr id="4" name="内容占位符 3">
+            <a:extLst>
+              <a:ext uri="{FF2B5EF4-FFF2-40B4-BE49-F238E27FC236}">
+                <a16:creationId xmlns:a16="http://schemas.microsoft.com/office/drawing/2014/main" id="{BD61F924-F457-0E4E-BE81-E4CBEADBF9A7}"/>
+              </a:ext>
+            </a:extLst>
+          </p:cNvPr>
+          <p:cNvPicPr>
+            <a:picLocks noGrp="1"/>
+          </p:cNvPicPr>
+          <p:nvPr>
+            <p:ph idx="1"/>
+          </p:nvPr>
+        </p:nvPicPr>
+        <p:blipFill>
+          <a:blip r:embed="rId2"/>
+          <a:stretch>
+            <a:fillRect/>
+          </a:stretch>
+        </p:blipFill>
+        <p:spPr>
+          <a:xfrm>
+            <a:off x="3932946" y="2482852"/>
+            <a:ext cx="1803400" cy="1892300"/>
+          </a:xfrm>
+          <a:prstGeom prst="rect">
+            <a:avLst/>
+          </a:prstGeom>
+        </p:spPr>
+      </p:pic>
+      <p:pic>
+        <p:nvPicPr>
+          <p:cNvPr id="5" name="图片 4">
+            <a:extLst>
+              <a:ext uri="{FF2B5EF4-FFF2-40B4-BE49-F238E27FC236}">
+                <a16:creationId xmlns:a16="http://schemas.microsoft.com/office/drawing/2014/main" id="{B93014D9-7038-BA47-8A50-3D911FD8E992}"/>
+              </a:ext>
+            </a:extLst>
+          </p:cNvPr>
+          <p:cNvPicPr/>
+          <p:nvPr/>
+        </p:nvPicPr>
+        <p:blipFill>
+          <a:blip r:embed="rId3"/>
+          <a:stretch>
+            <a:fillRect/>
+          </a:stretch>
+        </p:blipFill>
+        <p:spPr>
+          <a:xfrm>
+            <a:off x="6096000" y="1853754"/>
+            <a:ext cx="2284879" cy="4275726"/>
+          </a:xfrm>
+          <a:prstGeom prst="rect">
+            <a:avLst/>
+          </a:prstGeom>
+        </p:spPr>
+      </p:pic>
+      <p:pic>
+        <p:nvPicPr>
+          <p:cNvPr id="6" name="图片 5">
+            <a:extLst>
+              <a:ext uri="{FF2B5EF4-FFF2-40B4-BE49-F238E27FC236}">
+                <a16:creationId xmlns:a16="http://schemas.microsoft.com/office/drawing/2014/main" id="{C91F3D92-8513-7C4D-B72E-EFD3B971E15C}"/>
+              </a:ext>
+            </a:extLst>
+          </p:cNvPr>
+          <p:cNvPicPr/>
+          <p:nvPr/>
+        </p:nvPicPr>
+        <p:blipFill>
+          <a:blip r:embed="rId4"/>
+          <a:stretch>
+            <a:fillRect/>
+          </a:stretch>
+        </p:blipFill>
+        <p:spPr>
+          <a:xfrm>
+            <a:off x="8871274" y="1853753"/>
+            <a:ext cx="2284878" cy="4275725"/>
+          </a:xfrm>
+          <a:prstGeom prst="rect">
+            <a:avLst/>
+          </a:prstGeom>
+        </p:spPr>
+      </p:pic>
+      <p:sp>
+        <p:nvSpPr>
+          <p:cNvPr id="7" name="文本框 6">
+            <a:extLst>
+              <a:ext uri="{FF2B5EF4-FFF2-40B4-BE49-F238E27FC236}">
+                <a16:creationId xmlns:a16="http://schemas.microsoft.com/office/drawing/2014/main" id="{DA05C9FE-2A23-6E44-9A81-AA76955333C3}"/>
+              </a:ext>
+            </a:extLst>
+          </p:cNvPr>
+          <p:cNvSpPr txBox="1"/>
+          <p:nvPr/>
+        </p:nvSpPr>
+        <p:spPr>
+          <a:xfrm>
+            <a:off x="6887182" y="1400783"/>
+            <a:ext cx="1177047" cy="369332"/>
+          </a:xfrm>
+          <a:prstGeom prst="rect">
+            <a:avLst/>
+          </a:prstGeom>
+          <a:noFill/>
+        </p:spPr>
+        <p:txBody>
+          <a:bodyPr wrap="square" rtlCol="0">
+            <a:spAutoFit/>
+          </a:bodyPr>
+          <a:lstStyle/>
+          <a:p>
+            <a:r>
+              <a:rPr kumimoji="1" lang="en-US" altLang="zh-CN" dirty="0"/>
+              <a:t>id3</a:t>
             </a:r>
             <a:endParaRPr kumimoji="1" lang="zh-CN" altLang="en-US" dirty="0"/>
           </a:p>
@@ -4672,61 +4810,197 @@
       </p:sp>
       <p:sp>
         <p:nvSpPr>
-          <p:cNvPr id="3" name="内容占位符 2">
-            <a:extLst>
-              <a:ext uri="{FF2B5EF4-FFF2-40B4-BE49-F238E27FC236}">
-                <a16:creationId xmlns:a16="http://schemas.microsoft.com/office/drawing/2014/main" id="{4CEB7D22-1F59-E849-9668-C07C77D86D08}"/>
-              </a:ext>
-            </a:extLst>
-          </p:cNvPr>
-          <p:cNvSpPr>
-            <a:spLocks noGrp="1"/>
-          </p:cNvSpPr>
-          <p:nvPr>
-            <p:ph idx="1"/>
-          </p:nvPr>
-        </p:nvSpPr>
-        <p:spPr/>
-        <p:txBody>
-          <a:bodyPr/>
-          <a:lstStyle/>
-          <a:p>
-            <a:r>
-              <a:rPr kumimoji="1" lang="zh-CN" altLang="en-US" dirty="0"/>
-              <a:t>计算每一类的后验概率</a:t>
-            </a:r>
-            <a:endParaRPr kumimoji="1" lang="en-US" altLang="zh-CN" dirty="0"/>
-          </a:p>
-          <a:p>
-            <a:r>
-              <a:rPr kumimoji="1" lang="zh-CN" altLang="en-US" dirty="0"/>
-              <a:t>计算每个特征的每一类的条件概率</a:t>
-            </a:r>
-            <a:endParaRPr kumimoji="1" lang="en-US" altLang="zh-CN" dirty="0"/>
-          </a:p>
-          <a:p>
-            <a:r>
-              <a:rPr kumimoji="1" lang="zh-CN" altLang="en-US" dirty="0"/>
-              <a:t>每个特征的条件概率与每一类的后验概率相乘，取最大值即为哪一类</a:t>
-            </a:r>
-            <a:endParaRPr kumimoji="1" lang="en-US" altLang="zh-CN" dirty="0"/>
-          </a:p>
-          <a:p>
-            <a:r>
-              <a:rPr kumimoji="1" lang="zh-CN" altLang="en-US" dirty="0"/>
-              <a:t>（高斯朴素贝叶斯：计算每一类的均值和方差，便于测试集计算正态分布概率）</a:t>
-            </a:r>
-            <a:endParaRPr kumimoji="1" lang="en-US" altLang="zh-CN" dirty="0"/>
-          </a:p>
-          <a:p>
+          <p:cNvPr id="8" name="文本框 7">
+            <a:extLst>
+              <a:ext uri="{FF2B5EF4-FFF2-40B4-BE49-F238E27FC236}">
+                <a16:creationId xmlns:a16="http://schemas.microsoft.com/office/drawing/2014/main" id="{1549368E-E53D-6649-9546-DB72B07E190A}"/>
+              </a:ext>
+            </a:extLst>
+          </p:cNvPr>
+          <p:cNvSpPr txBox="1"/>
+          <p:nvPr/>
+        </p:nvSpPr>
+        <p:spPr>
+          <a:xfrm>
+            <a:off x="9591472" y="1400783"/>
+            <a:ext cx="1379854" cy="369332"/>
+          </a:xfrm>
+          <a:prstGeom prst="rect">
+            <a:avLst/>
+          </a:prstGeom>
+          <a:noFill/>
+        </p:spPr>
+        <p:txBody>
+          <a:bodyPr wrap="square" rtlCol="0">
+            <a:spAutoFit/>
+          </a:bodyPr>
+          <a:lstStyle/>
+          <a:p>
+            <a:r>
+              <a:rPr kumimoji="1" lang="en-US" altLang="zh-CN" dirty="0"/>
+              <a:t>C4.5</a:t>
+            </a:r>
             <a:endParaRPr kumimoji="1" lang="zh-CN" altLang="en-US" dirty="0"/>
+          </a:p>
+        </p:txBody>
+      </p:sp>
+      <p:pic>
+        <p:nvPicPr>
+          <p:cNvPr id="9" name="图片 8">
+            <a:extLst>
+              <a:ext uri="{FF2B5EF4-FFF2-40B4-BE49-F238E27FC236}">
+                <a16:creationId xmlns:a16="http://schemas.microsoft.com/office/drawing/2014/main" id="{E518040E-0ABC-7D4D-BF00-F4F294B54732}"/>
+              </a:ext>
+            </a:extLst>
+          </p:cNvPr>
+          <p:cNvPicPr/>
+          <p:nvPr/>
+        </p:nvPicPr>
+        <p:blipFill>
+          <a:blip r:embed="rId5"/>
+          <a:stretch>
+            <a:fillRect/>
+          </a:stretch>
+        </p:blipFill>
+        <p:spPr>
+          <a:xfrm>
+            <a:off x="1515338" y="5004244"/>
+            <a:ext cx="4221008" cy="1125231"/>
+          </a:xfrm>
+          <a:prstGeom prst="rect">
+            <a:avLst/>
+          </a:prstGeom>
+        </p:spPr>
+      </p:pic>
+      <p:sp>
+        <p:nvSpPr>
+          <p:cNvPr id="10" name="文本框 9">
+            <a:extLst>
+              <a:ext uri="{FF2B5EF4-FFF2-40B4-BE49-F238E27FC236}">
+                <a16:creationId xmlns:a16="http://schemas.microsoft.com/office/drawing/2014/main" id="{DDDC098B-4671-7F4D-B2C1-091FAAA953E7}"/>
+              </a:ext>
+            </a:extLst>
+          </p:cNvPr>
+          <p:cNvSpPr txBox="1"/>
+          <p:nvPr/>
+        </p:nvSpPr>
+        <p:spPr>
+          <a:xfrm>
+            <a:off x="4192621" y="2052536"/>
+            <a:ext cx="1479966" cy="369332"/>
+          </a:xfrm>
+          <a:prstGeom prst="rect">
+            <a:avLst/>
+          </a:prstGeom>
+          <a:noFill/>
+        </p:spPr>
+        <p:txBody>
+          <a:bodyPr wrap="square" rtlCol="0">
+            <a:spAutoFit/>
+          </a:bodyPr>
+          <a:lstStyle/>
+          <a:p>
+            <a:r>
+              <a:rPr lang="en-US" altLang="zh-CN" dirty="0"/>
+              <a:t>lenses</a:t>
+            </a:r>
+            <a:r>
+              <a:rPr lang="zh-CN" altLang="zh-CN" dirty="0"/>
+              <a:t>数据集 </a:t>
+            </a:r>
+            <a:endParaRPr kumimoji="1" lang="zh-CN" altLang="en-US" dirty="0"/>
+          </a:p>
+        </p:txBody>
+      </p:sp>
+      <p:sp>
+        <p:nvSpPr>
+          <p:cNvPr id="11" name="文本框 10">
+            <a:extLst>
+              <a:ext uri="{FF2B5EF4-FFF2-40B4-BE49-F238E27FC236}">
+                <a16:creationId xmlns:a16="http://schemas.microsoft.com/office/drawing/2014/main" id="{1D466736-C392-544F-BB7E-F26AB5C0DC45}"/>
+              </a:ext>
+            </a:extLst>
+          </p:cNvPr>
+          <p:cNvSpPr txBox="1"/>
+          <p:nvPr/>
+        </p:nvSpPr>
+        <p:spPr>
+          <a:xfrm>
+            <a:off x="3725693" y="4505032"/>
+            <a:ext cx="2217906" cy="369332"/>
+          </a:xfrm>
+          <a:prstGeom prst="rect">
+            <a:avLst/>
+          </a:prstGeom>
+          <a:noFill/>
+        </p:spPr>
+        <p:txBody>
+          <a:bodyPr wrap="square" rtlCol="0">
+            <a:spAutoFit/>
+          </a:bodyPr>
+          <a:lstStyle/>
+          <a:p>
+            <a:r>
+              <a:rPr lang="zh-CN" altLang="zh-CN" dirty="0"/>
+              <a:t>鸢尾花数据集分类 </a:t>
+            </a:r>
+            <a:endParaRPr kumimoji="1" lang="zh-CN" altLang="en-US" dirty="0"/>
+          </a:p>
+        </p:txBody>
+      </p:sp>
+      <p:sp>
+        <p:nvSpPr>
+          <p:cNvPr id="12" name="矩形 11">
+            <a:extLst>
+              <a:ext uri="{FF2B5EF4-FFF2-40B4-BE49-F238E27FC236}">
+                <a16:creationId xmlns:a16="http://schemas.microsoft.com/office/drawing/2014/main" id="{06E19E26-170B-CD4F-8C04-E01FDD350AA2}"/>
+              </a:ext>
+            </a:extLst>
+          </p:cNvPr>
+          <p:cNvSpPr/>
+          <p:nvPr/>
+        </p:nvSpPr>
+        <p:spPr>
+          <a:xfrm>
+            <a:off x="749029" y="3174820"/>
+            <a:ext cx="2976664" cy="1200329"/>
+          </a:xfrm>
+          <a:prstGeom prst="rect">
+            <a:avLst/>
+          </a:prstGeom>
+        </p:spPr>
+        <p:txBody>
+          <a:bodyPr wrap="square">
+            <a:spAutoFit/>
+          </a:bodyPr>
+          <a:lstStyle/>
+          <a:p>
+            <a:pPr marL="495300" indent="266700">
+              <a:spcAft>
+                <a:spcPts val="0"/>
+              </a:spcAft>
+            </a:pPr>
+            <a:r>
+              <a:rPr lang="zh-CN" altLang="zh-CN" dirty="0">
+                <a:latin typeface="宋体" panose="02010600030101010101" pitchFamily="2" charset="-122"/>
+                <a:ea typeface="宋体" panose="02010600030101010101" pitchFamily="2" charset="-122"/>
+                <a:cs typeface="宋体" panose="02010600030101010101" pitchFamily="2" charset="-122"/>
+              </a:rPr>
+              <a:t>决策树不需要计算梯度，因此不用做标准化，直接用留出法划分数据集，并测试即可。</a:t>
+            </a:r>
+            <a:endParaRPr lang="zh-CN" altLang="zh-CN" sz="2400" dirty="0">
+              <a:effectLst/>
+              <a:latin typeface="宋体" panose="02010600030101010101" pitchFamily="2" charset="-122"/>
+              <a:ea typeface="宋体" panose="02010600030101010101" pitchFamily="2" charset="-122"/>
+              <a:cs typeface="宋体" panose="02010600030101010101" pitchFamily="2" charset="-122"/>
+            </a:endParaRPr>
           </a:p>
         </p:txBody>
       </p:sp>
     </p:spTree>
     <p:extLst>
       <p:ext uri="{BB962C8B-B14F-4D97-AF65-F5344CB8AC3E}">
-        <p14:creationId xmlns:p14="http://schemas.microsoft.com/office/powerpoint/2010/main" val="1876056256"/>
+        <p14:creationId xmlns:p14="http://schemas.microsoft.com/office/powerpoint/2010/main" val="3914545634"/>
       </p:ext>
     </p:extLst>
   </p:cSld>
@@ -4758,6 +5032,414 @@
           <p:cNvPr id="2" name="标题 1">
             <a:extLst>
               <a:ext uri="{FF2B5EF4-FFF2-40B4-BE49-F238E27FC236}">
+                <a16:creationId xmlns:a16="http://schemas.microsoft.com/office/drawing/2014/main" id="{942DD09D-3386-C448-8685-15434FD018C7}"/>
+              </a:ext>
+            </a:extLst>
+          </p:cNvPr>
+          <p:cNvSpPr>
+            <a:spLocks noGrp="1"/>
+          </p:cNvSpPr>
+          <p:nvPr>
+            <p:ph type="title"/>
+          </p:nvPr>
+        </p:nvSpPr>
+        <p:spPr/>
+        <p:txBody>
+          <a:bodyPr/>
+          <a:lstStyle/>
+          <a:p>
+            <a:r>
+              <a:rPr kumimoji="1" lang="zh-CN" altLang="en-US" dirty="0"/>
+              <a:t>实践</a:t>
+            </a:r>
+            <a:r>
+              <a:rPr kumimoji="1" lang="en-US" altLang="zh-CN" dirty="0"/>
+              <a:t>——</a:t>
+            </a:r>
+            <a:r>
+              <a:rPr kumimoji="1" lang="zh-CN" altLang="en-US" dirty="0"/>
+              <a:t>回归</a:t>
+            </a:r>
+          </a:p>
+        </p:txBody>
+      </p:sp>
+      <p:sp>
+        <p:nvSpPr>
+          <p:cNvPr id="3" name="内容占位符 2">
+            <a:extLst>
+              <a:ext uri="{FF2B5EF4-FFF2-40B4-BE49-F238E27FC236}">
+                <a16:creationId xmlns:a16="http://schemas.microsoft.com/office/drawing/2014/main" id="{35869675-430A-D14E-A22A-CF2E52E5C448}"/>
+              </a:ext>
+            </a:extLst>
+          </p:cNvPr>
+          <p:cNvSpPr>
+            <a:spLocks noGrp="1"/>
+          </p:cNvSpPr>
+          <p:nvPr>
+            <p:ph idx="1"/>
+          </p:nvPr>
+        </p:nvSpPr>
+        <p:spPr>
+          <a:xfrm>
+            <a:off x="517725" y="2015732"/>
+            <a:ext cx="7429774" cy="3450613"/>
+          </a:xfrm>
+        </p:spPr>
+        <p:txBody>
+          <a:bodyPr>
+            <a:normAutofit fontScale="92500"/>
+          </a:bodyPr>
+          <a:lstStyle/>
+          <a:p>
+            <a:r>
+              <a:rPr lang="en-US" altLang="zh-CN" dirty="0"/>
+              <a:t>CART</a:t>
+            </a:r>
+            <a:r>
+              <a:rPr lang="zh-CN" altLang="zh-CN" dirty="0"/>
+              <a:t>决策树——森林大火数据集回归分析</a:t>
+            </a:r>
+          </a:p>
+          <a:p>
+            <a:r>
+              <a:rPr lang="zh-CN" altLang="zh-CN" dirty="0"/>
+              <a:t>可以看到，除了</a:t>
+            </a:r>
+            <a:r>
+              <a:rPr lang="en-US" altLang="zh-CN" dirty="0"/>
+              <a:t>month</a:t>
+            </a:r>
+            <a:r>
+              <a:rPr lang="zh-CN" altLang="zh-CN" dirty="0"/>
+              <a:t>和</a:t>
+            </a:r>
+            <a:r>
+              <a:rPr lang="en-US" altLang="zh-CN" dirty="0"/>
+              <a:t>day</a:t>
+            </a:r>
+            <a:r>
+              <a:rPr lang="zh-CN" altLang="zh-CN" dirty="0"/>
+              <a:t>其他均为连续数据，可以有以下操作：</a:t>
+            </a:r>
+          </a:p>
+          <a:p>
+            <a:pPr lvl="0"/>
+            <a:r>
+              <a:rPr lang="zh-CN" altLang="zh-CN" dirty="0"/>
+              <a:t>发现</a:t>
+            </a:r>
+            <a:r>
+              <a:rPr lang="en-US" altLang="zh-CN" dirty="0"/>
+              <a:t>rain</a:t>
+            </a:r>
+            <a:r>
+              <a:rPr lang="zh-CN" altLang="zh-CN" dirty="0"/>
+              <a:t>处几乎均为</a:t>
+            </a:r>
+            <a:r>
+              <a:rPr lang="en-US" altLang="zh-CN" dirty="0"/>
+              <a:t>0</a:t>
+            </a:r>
+            <a:r>
+              <a:rPr lang="zh-CN" altLang="zh-CN" dirty="0"/>
+              <a:t>，计算其方差，判断是否可以剔除</a:t>
+            </a:r>
+          </a:p>
+          <a:p>
+            <a:pPr lvl="0"/>
+            <a:r>
+              <a:rPr lang="zh-CN" altLang="zh-CN" dirty="0"/>
+              <a:t>将连续型数据离散化，其划分线为 （前面数据</a:t>
+            </a:r>
+            <a:r>
+              <a:rPr lang="en-US" altLang="zh-CN" dirty="0"/>
+              <a:t>+</a:t>
+            </a:r>
+            <a:r>
+              <a:rPr lang="zh-CN" altLang="zh-CN" dirty="0"/>
+              <a:t>后面数据）</a:t>
+            </a:r>
+            <a:r>
+              <a:rPr lang="en-US" altLang="zh-CN" dirty="0"/>
+              <a:t>/ 2</a:t>
+            </a:r>
+            <a:endParaRPr lang="zh-CN" altLang="zh-CN" dirty="0"/>
+          </a:p>
+          <a:p>
+            <a:pPr lvl="0"/>
+            <a:r>
+              <a:rPr lang="zh-CN" altLang="zh-CN" dirty="0"/>
+              <a:t>将</a:t>
+            </a:r>
+            <a:r>
+              <a:rPr lang="en-US" altLang="zh-CN" dirty="0"/>
+              <a:t>month</a:t>
+            </a:r>
+            <a:r>
+              <a:rPr lang="zh-CN" altLang="zh-CN" dirty="0"/>
+              <a:t>与</a:t>
+            </a:r>
+            <a:r>
+              <a:rPr lang="en-US" altLang="zh-CN" dirty="0"/>
+              <a:t>day</a:t>
+            </a:r>
+            <a:r>
+              <a:rPr lang="zh-CN" altLang="zh-CN" dirty="0"/>
+              <a:t>的数据也变成数值</a:t>
+            </a:r>
+          </a:p>
+          <a:p>
+            <a:r>
+              <a:rPr lang="zh-CN" altLang="zh-CN" dirty="0"/>
+              <a:t>计算</a:t>
+            </a:r>
+            <a:r>
+              <a:rPr lang="en-US" altLang="zh-CN" dirty="0"/>
+              <a:t>rain</a:t>
+            </a:r>
+            <a:r>
+              <a:rPr lang="zh-CN" altLang="zh-CN" dirty="0"/>
+              <a:t>处方差后，为</a:t>
+            </a:r>
+            <a:r>
+              <a:rPr lang="en-US" altLang="zh-CN" dirty="0"/>
+              <a:t>0.087</a:t>
+            </a:r>
+            <a:r>
+              <a:rPr lang="zh-CN" altLang="zh-CN" dirty="0"/>
+              <a:t>，太小了，可认为是无关特征，可去掉。</a:t>
+            </a:r>
+          </a:p>
+          <a:p>
+            <a:r>
+              <a:rPr lang="zh-CN" altLang="zh-CN" dirty="0"/>
+              <a:t>然后是留出法 </a:t>
+            </a:r>
+            <a:r>
+              <a:rPr lang="en-US" altLang="zh-CN" dirty="0"/>
+              <a:t>4</a:t>
+            </a:r>
+            <a:r>
+              <a:rPr lang="zh-CN" altLang="zh-CN" dirty="0"/>
+              <a:t>：</a:t>
+            </a:r>
+            <a:r>
+              <a:rPr lang="en-US" altLang="zh-CN" dirty="0"/>
+              <a:t>1</a:t>
+            </a:r>
+            <a:r>
+              <a:rPr lang="zh-CN" altLang="zh-CN" dirty="0"/>
+              <a:t>，接着套入模型得出。</a:t>
+            </a:r>
+          </a:p>
+          <a:p>
+            <a:endParaRPr kumimoji="1" lang="zh-CN" altLang="en-US" dirty="0"/>
+          </a:p>
+        </p:txBody>
+      </p:sp>
+      <p:pic>
+        <p:nvPicPr>
+          <p:cNvPr id="4" name="图片 3">
+            <a:extLst>
+              <a:ext uri="{FF2B5EF4-FFF2-40B4-BE49-F238E27FC236}">
+                <a16:creationId xmlns:a16="http://schemas.microsoft.com/office/drawing/2014/main" id="{7AC8AD9C-0A8B-DB41-A04B-DBF3EBADBA13}"/>
+              </a:ext>
+            </a:extLst>
+          </p:cNvPr>
+          <p:cNvPicPr/>
+          <p:nvPr/>
+        </p:nvPicPr>
+        <p:blipFill>
+          <a:blip r:embed="rId2"/>
+          <a:stretch>
+            <a:fillRect/>
+          </a:stretch>
+        </p:blipFill>
+        <p:spPr>
+          <a:xfrm>
+            <a:off x="4252067" y="642541"/>
+            <a:ext cx="4697379" cy="1049235"/>
+          </a:xfrm>
+          <a:prstGeom prst="rect">
+            <a:avLst/>
+          </a:prstGeom>
+        </p:spPr>
+      </p:pic>
+      <p:pic>
+        <p:nvPicPr>
+          <p:cNvPr id="5" name="图片 4">
+            <a:extLst>
+              <a:ext uri="{FF2B5EF4-FFF2-40B4-BE49-F238E27FC236}">
+                <a16:creationId xmlns:a16="http://schemas.microsoft.com/office/drawing/2014/main" id="{FC488FB7-A175-E348-B930-F8FB86EFC026}"/>
+              </a:ext>
+            </a:extLst>
+          </p:cNvPr>
+          <p:cNvPicPr/>
+          <p:nvPr/>
+        </p:nvPicPr>
+        <p:blipFill>
+          <a:blip r:embed="rId3"/>
+          <a:stretch>
+            <a:fillRect/>
+          </a:stretch>
+        </p:blipFill>
+        <p:spPr>
+          <a:xfrm>
+            <a:off x="7768670" y="1878217"/>
+            <a:ext cx="4335780" cy="1550783"/>
+          </a:xfrm>
+          <a:prstGeom prst="rect">
+            <a:avLst/>
+          </a:prstGeom>
+        </p:spPr>
+      </p:pic>
+    </p:spTree>
+    <p:extLst>
+      <p:ext uri="{BB962C8B-B14F-4D97-AF65-F5344CB8AC3E}">
+        <p14:creationId xmlns:p14="http://schemas.microsoft.com/office/powerpoint/2010/main" val="1659764102"/>
+      </p:ext>
+    </p:extLst>
+  </p:cSld>
+  <p:clrMapOvr>
+    <a:masterClrMapping/>
+  </p:clrMapOvr>
+</p:sld>
+</file>
+
+<file path=ppt/slides/slide16.xml><?xml version="1.0" encoding="utf-8"?>
+<p:sld xmlns:a="http://schemas.openxmlformats.org/drawingml/2006/main" xmlns:r="http://schemas.openxmlformats.org/officeDocument/2006/relationships" xmlns:p="http://schemas.openxmlformats.org/presentationml/2006/main">
+  <p:cSld>
+    <p:spTree>
+      <p:nvGrpSpPr>
+        <p:cNvPr id="1" name=""/>
+        <p:cNvGrpSpPr/>
+        <p:nvPr/>
+      </p:nvGrpSpPr>
+      <p:grpSpPr>
+        <a:xfrm>
+          <a:off x="0" y="0"/>
+          <a:ext cx="0" cy="0"/>
+          <a:chOff x="0" y="0"/>
+          <a:chExt cx="0" cy="0"/>
+        </a:xfrm>
+      </p:grpSpPr>
+      <p:sp>
+        <p:nvSpPr>
+          <p:cNvPr id="2" name="标题 1">
+            <a:extLst>
+              <a:ext uri="{FF2B5EF4-FFF2-40B4-BE49-F238E27FC236}">
+                <a16:creationId xmlns:a16="http://schemas.microsoft.com/office/drawing/2014/main" id="{E7F97C9E-3023-3B4E-A33A-9E8DDCB194D1}"/>
+              </a:ext>
+            </a:extLst>
+          </p:cNvPr>
+          <p:cNvSpPr>
+            <a:spLocks noGrp="1"/>
+          </p:cNvSpPr>
+          <p:nvPr>
+            <p:ph type="title"/>
+          </p:nvPr>
+        </p:nvSpPr>
+        <p:spPr/>
+        <p:txBody>
+          <a:bodyPr/>
+          <a:lstStyle/>
+          <a:p>
+            <a:r>
+              <a:rPr lang="zh-CN" altLang="en-US" b="1" dirty="0"/>
+              <a:t>朴素贝叶斯算法 </a:t>
+            </a:r>
+            <a:endParaRPr kumimoji="1" lang="zh-CN" altLang="en-US" dirty="0"/>
+          </a:p>
+        </p:txBody>
+      </p:sp>
+      <p:sp>
+        <p:nvSpPr>
+          <p:cNvPr id="3" name="内容占位符 2">
+            <a:extLst>
+              <a:ext uri="{FF2B5EF4-FFF2-40B4-BE49-F238E27FC236}">
+                <a16:creationId xmlns:a16="http://schemas.microsoft.com/office/drawing/2014/main" id="{4CEB7D22-1F59-E849-9668-C07C77D86D08}"/>
+              </a:ext>
+            </a:extLst>
+          </p:cNvPr>
+          <p:cNvSpPr>
+            <a:spLocks noGrp="1"/>
+          </p:cNvSpPr>
+          <p:nvPr>
+            <p:ph idx="1"/>
+          </p:nvPr>
+        </p:nvSpPr>
+        <p:spPr/>
+        <p:txBody>
+          <a:bodyPr/>
+          <a:lstStyle/>
+          <a:p>
+            <a:r>
+              <a:rPr kumimoji="1" lang="zh-CN" altLang="en-US" dirty="0"/>
+              <a:t>计算每一类的后验概率</a:t>
+            </a:r>
+            <a:endParaRPr kumimoji="1" lang="en-US" altLang="zh-CN" dirty="0"/>
+          </a:p>
+          <a:p>
+            <a:r>
+              <a:rPr kumimoji="1" lang="zh-CN" altLang="en-US" dirty="0"/>
+              <a:t>计算每个特征的每一类的条件概率</a:t>
+            </a:r>
+            <a:endParaRPr kumimoji="1" lang="en-US" altLang="zh-CN" dirty="0"/>
+          </a:p>
+          <a:p>
+            <a:r>
+              <a:rPr kumimoji="1" lang="zh-CN" altLang="en-US" dirty="0"/>
+              <a:t>每个特征的条件概率与每一类的后验概率相乘，取最大值即为哪一类</a:t>
+            </a:r>
+            <a:endParaRPr kumimoji="1" lang="en-US" altLang="zh-CN" dirty="0"/>
+          </a:p>
+          <a:p>
+            <a:r>
+              <a:rPr kumimoji="1" lang="zh-CN" altLang="en-US" dirty="0"/>
+              <a:t>（高斯朴素贝叶斯：计算每一类的均值和方差，便于测试集计算正态分布概率）</a:t>
+            </a:r>
+            <a:endParaRPr kumimoji="1" lang="en-US" altLang="zh-CN" dirty="0"/>
+          </a:p>
+          <a:p>
+            <a:endParaRPr kumimoji="1" lang="zh-CN" altLang="en-US" dirty="0"/>
+          </a:p>
+        </p:txBody>
+      </p:sp>
+    </p:spTree>
+    <p:extLst>
+      <p:ext uri="{BB962C8B-B14F-4D97-AF65-F5344CB8AC3E}">
+        <p14:creationId xmlns:p14="http://schemas.microsoft.com/office/powerpoint/2010/main" val="1876056256"/>
+      </p:ext>
+    </p:extLst>
+  </p:cSld>
+  <p:clrMapOvr>
+    <a:masterClrMapping/>
+  </p:clrMapOvr>
+</p:sld>
+</file>
+
+<file path=ppt/slides/slide17.xml><?xml version="1.0" encoding="utf-8"?>
+<p:sld xmlns:a="http://schemas.openxmlformats.org/drawingml/2006/main" xmlns:r="http://schemas.openxmlformats.org/officeDocument/2006/relationships" xmlns:p="http://schemas.openxmlformats.org/presentationml/2006/main">
+  <p:cSld>
+    <p:spTree>
+      <p:nvGrpSpPr>
+        <p:cNvPr id="1" name=""/>
+        <p:cNvGrpSpPr/>
+        <p:nvPr/>
+      </p:nvGrpSpPr>
+      <p:grpSpPr>
+        <a:xfrm>
+          <a:off x="0" y="0"/>
+          <a:ext cx="0" cy="0"/>
+          <a:chOff x="0" y="0"/>
+          <a:chExt cx="0" cy="0"/>
+        </a:xfrm>
+      </p:grpSpPr>
+      <p:sp>
+        <p:nvSpPr>
+          <p:cNvPr id="2" name="标题 1">
+            <a:extLst>
+              <a:ext uri="{FF2B5EF4-FFF2-40B4-BE49-F238E27FC236}">
                 <a16:creationId xmlns:a16="http://schemas.microsoft.com/office/drawing/2014/main" id="{3EB6E228-064F-9B49-8C78-26BEB5D2E087}"/>
               </a:ext>
             </a:extLst>
@@ -4982,7 +5664,7 @@
 </p:sld>
 </file>
 
-<file path=ppt/slides/slide16.xml><?xml version="1.0" encoding="utf-8"?>
+<file path=ppt/slides/slide18.xml><?xml version="1.0" encoding="utf-8"?>
 <p:sld xmlns:a="http://schemas.openxmlformats.org/drawingml/2006/main" xmlns:r="http://schemas.openxmlformats.org/officeDocument/2006/relationships" xmlns:p="http://schemas.openxmlformats.org/presentationml/2006/main">
   <p:cSld>
     <p:spTree>
@@ -5212,701 +5894,6 @@
 </p:sld>
 </file>
 
-<file path=ppt/slides/slide17.xml><?xml version="1.0" encoding="utf-8"?>
-<p:sld xmlns:a="http://schemas.openxmlformats.org/drawingml/2006/main" xmlns:r="http://schemas.openxmlformats.org/officeDocument/2006/relationships" xmlns:p="http://schemas.openxmlformats.org/presentationml/2006/main">
-  <p:cSld>
-    <p:spTree>
-      <p:nvGrpSpPr>
-        <p:cNvPr id="1" name=""/>
-        <p:cNvGrpSpPr/>
-        <p:nvPr/>
-      </p:nvGrpSpPr>
-      <p:grpSpPr>
-        <a:xfrm>
-          <a:off x="0" y="0"/>
-          <a:ext cx="0" cy="0"/>
-          <a:chOff x="0" y="0"/>
-          <a:chExt cx="0" cy="0"/>
-        </a:xfrm>
-      </p:grpSpPr>
-      <p:sp>
-        <p:nvSpPr>
-          <p:cNvPr id="2" name="标题 1">
-            <a:extLst>
-              <a:ext uri="{FF2B5EF4-FFF2-40B4-BE49-F238E27FC236}">
-                <a16:creationId xmlns:a16="http://schemas.microsoft.com/office/drawing/2014/main" id="{55EB393D-D63E-1449-A861-DE34A595FE31}"/>
-              </a:ext>
-            </a:extLst>
-          </p:cNvPr>
-          <p:cNvSpPr>
-            <a:spLocks noGrp="1"/>
-          </p:cNvSpPr>
-          <p:nvPr>
-            <p:ph type="title"/>
-          </p:nvPr>
-        </p:nvSpPr>
-        <p:spPr>
-          <a:xfrm>
-            <a:off x="298188" y="2726837"/>
-            <a:ext cx="449957" cy="1049235"/>
-          </a:xfrm>
-        </p:spPr>
-        <p:txBody>
-          <a:bodyPr/>
-          <a:lstStyle/>
-          <a:p>
-            <a:r>
-              <a:rPr kumimoji="1" lang="zh-CN" altLang="en-US" dirty="0"/>
-              <a:t>实践</a:t>
-            </a:r>
-          </a:p>
-        </p:txBody>
-      </p:sp>
-      <p:pic>
-        <p:nvPicPr>
-          <p:cNvPr id="4" name="内容占位符 3">
-            <a:extLst>
-              <a:ext uri="{FF2B5EF4-FFF2-40B4-BE49-F238E27FC236}">
-                <a16:creationId xmlns:a16="http://schemas.microsoft.com/office/drawing/2014/main" id="{091184C0-E20C-2E41-B367-FC55ED9F1C51}"/>
-              </a:ext>
-            </a:extLst>
-          </p:cNvPr>
-          <p:cNvPicPr>
-            <a:picLocks noGrp="1"/>
-          </p:cNvPicPr>
-          <p:nvPr>
-            <p:ph idx="1"/>
-          </p:nvPr>
-        </p:nvPicPr>
-        <p:blipFill>
-          <a:blip r:embed="rId2"/>
-          <a:stretch>
-            <a:fillRect/>
-          </a:stretch>
-        </p:blipFill>
-        <p:spPr>
-          <a:xfrm>
-            <a:off x="5092347" y="232960"/>
-            <a:ext cx="5962505" cy="1557548"/>
-          </a:xfrm>
-          <a:prstGeom prst="rect">
-            <a:avLst/>
-          </a:prstGeom>
-        </p:spPr>
-      </p:pic>
-      <p:pic>
-        <p:nvPicPr>
-          <p:cNvPr id="5" name="图片 4">
-            <a:extLst>
-              <a:ext uri="{FF2B5EF4-FFF2-40B4-BE49-F238E27FC236}">
-                <a16:creationId xmlns:a16="http://schemas.microsoft.com/office/drawing/2014/main" id="{FD3023AE-FF6B-1D40-8D15-023981EF7AD4}"/>
-              </a:ext>
-            </a:extLst>
-          </p:cNvPr>
-          <p:cNvPicPr/>
-          <p:nvPr/>
-        </p:nvPicPr>
-        <p:blipFill>
-          <a:blip r:embed="rId3"/>
-          <a:stretch>
-            <a:fillRect/>
-          </a:stretch>
-        </p:blipFill>
-        <p:spPr>
-          <a:xfrm>
-            <a:off x="5092347" y="1871452"/>
-            <a:ext cx="5962505" cy="1557548"/>
-          </a:xfrm>
-          <a:prstGeom prst="rect">
-            <a:avLst/>
-          </a:prstGeom>
-        </p:spPr>
-      </p:pic>
-      <p:pic>
-        <p:nvPicPr>
-          <p:cNvPr id="6" name="图片 5">
-            <a:extLst>
-              <a:ext uri="{FF2B5EF4-FFF2-40B4-BE49-F238E27FC236}">
-                <a16:creationId xmlns:a16="http://schemas.microsoft.com/office/drawing/2014/main" id="{EED1D1B2-37A6-3F4A-9B59-DFAB957E1650}"/>
-              </a:ext>
-            </a:extLst>
-          </p:cNvPr>
-          <p:cNvPicPr/>
-          <p:nvPr/>
-        </p:nvPicPr>
-        <p:blipFill>
-          <a:blip r:embed="rId4"/>
-          <a:stretch>
-            <a:fillRect/>
-          </a:stretch>
-        </p:blipFill>
-        <p:spPr>
-          <a:xfrm>
-            <a:off x="5092348" y="3575069"/>
-            <a:ext cx="5962504" cy="1557547"/>
-          </a:xfrm>
-          <a:prstGeom prst="rect">
-            <a:avLst/>
-          </a:prstGeom>
-        </p:spPr>
-      </p:pic>
-      <p:pic>
-        <p:nvPicPr>
-          <p:cNvPr id="7" name="图片 6">
-            <a:extLst>
-              <a:ext uri="{FF2B5EF4-FFF2-40B4-BE49-F238E27FC236}">
-                <a16:creationId xmlns:a16="http://schemas.microsoft.com/office/drawing/2014/main" id="{E121EC5B-73B0-8B4D-9D76-B393EC8BAF53}"/>
-              </a:ext>
-            </a:extLst>
-          </p:cNvPr>
-          <p:cNvPicPr/>
-          <p:nvPr/>
-        </p:nvPicPr>
-        <p:blipFill>
-          <a:blip r:embed="rId5"/>
-          <a:stretch>
-            <a:fillRect/>
-          </a:stretch>
-        </p:blipFill>
-        <p:spPr>
-          <a:xfrm>
-            <a:off x="5092346" y="5300452"/>
-            <a:ext cx="5962503" cy="1557548"/>
-          </a:xfrm>
-          <a:prstGeom prst="rect">
-            <a:avLst/>
-          </a:prstGeom>
-        </p:spPr>
-      </p:pic>
-      <p:sp>
-        <p:nvSpPr>
-          <p:cNvPr id="8" name="文本框 7">
-            <a:extLst>
-              <a:ext uri="{FF2B5EF4-FFF2-40B4-BE49-F238E27FC236}">
-                <a16:creationId xmlns:a16="http://schemas.microsoft.com/office/drawing/2014/main" id="{2C68DD92-D210-BB49-ABF5-00E9E2651803}"/>
-              </a:ext>
-            </a:extLst>
-          </p:cNvPr>
-          <p:cNvSpPr txBox="1"/>
-          <p:nvPr/>
-        </p:nvSpPr>
-        <p:spPr>
-          <a:xfrm>
-            <a:off x="2753591" y="827068"/>
-            <a:ext cx="1797627" cy="369332"/>
-          </a:xfrm>
-          <a:prstGeom prst="rect">
-            <a:avLst/>
-          </a:prstGeom>
-          <a:noFill/>
-        </p:spPr>
-        <p:txBody>
-          <a:bodyPr wrap="square" rtlCol="0">
-            <a:spAutoFit/>
-          </a:bodyPr>
-          <a:lstStyle/>
-          <a:p>
-            <a:r>
-              <a:rPr kumimoji="1" lang="zh-CN" altLang="en-US" dirty="0"/>
-              <a:t>原数据</a:t>
-            </a:r>
-          </a:p>
-        </p:txBody>
-      </p:sp>
-      <p:sp>
-        <p:nvSpPr>
-          <p:cNvPr id="9" name="文本框 8">
-            <a:extLst>
-              <a:ext uri="{FF2B5EF4-FFF2-40B4-BE49-F238E27FC236}">
-                <a16:creationId xmlns:a16="http://schemas.microsoft.com/office/drawing/2014/main" id="{11AAD62A-010C-3C4B-AD40-96274FF34C45}"/>
-              </a:ext>
-            </a:extLst>
-          </p:cNvPr>
-          <p:cNvSpPr txBox="1"/>
-          <p:nvPr/>
-        </p:nvSpPr>
-        <p:spPr>
-          <a:xfrm>
-            <a:off x="2753590" y="2357505"/>
-            <a:ext cx="1797627" cy="646331"/>
-          </a:xfrm>
-          <a:prstGeom prst="rect">
-            <a:avLst/>
-          </a:prstGeom>
-          <a:noFill/>
-        </p:spPr>
-        <p:txBody>
-          <a:bodyPr wrap="square" rtlCol="0">
-            <a:spAutoFit/>
-          </a:bodyPr>
-          <a:lstStyle/>
-          <a:p>
-            <a:r>
-              <a:rPr kumimoji="1" lang="zh-CN" altLang="en-US" dirty="0"/>
-              <a:t>最小半径</a:t>
-            </a:r>
-            <a:r>
-              <a:rPr kumimoji="1" lang="en-US" altLang="zh-CN" dirty="0"/>
-              <a:t>1</a:t>
-            </a:r>
-          </a:p>
-          <a:p>
-            <a:r>
-              <a:rPr kumimoji="1" lang="zh-CN" altLang="en-US" dirty="0"/>
-              <a:t>最大邻近点数</a:t>
-            </a:r>
-            <a:r>
-              <a:rPr kumimoji="1" lang="en-US" altLang="zh-CN" dirty="0"/>
-              <a:t>5</a:t>
-            </a:r>
-            <a:endParaRPr kumimoji="1" lang="zh-CN" altLang="en-US" dirty="0"/>
-          </a:p>
-        </p:txBody>
-      </p:sp>
-      <p:sp>
-        <p:nvSpPr>
-          <p:cNvPr id="10" name="文本框 9">
-            <a:extLst>
-              <a:ext uri="{FF2B5EF4-FFF2-40B4-BE49-F238E27FC236}">
-                <a16:creationId xmlns:a16="http://schemas.microsoft.com/office/drawing/2014/main" id="{480B2AEE-1CDE-4345-A22F-8D5FF2D97EB8}"/>
-              </a:ext>
-            </a:extLst>
-          </p:cNvPr>
-          <p:cNvSpPr txBox="1"/>
-          <p:nvPr/>
-        </p:nvSpPr>
-        <p:spPr>
-          <a:xfrm>
-            <a:off x="2753589" y="4030676"/>
-            <a:ext cx="1797627" cy="646331"/>
-          </a:xfrm>
-          <a:prstGeom prst="rect">
-            <a:avLst/>
-          </a:prstGeom>
-          <a:noFill/>
-        </p:spPr>
-        <p:txBody>
-          <a:bodyPr wrap="square" rtlCol="0">
-            <a:spAutoFit/>
-          </a:bodyPr>
-          <a:lstStyle/>
-          <a:p>
-            <a:r>
-              <a:rPr kumimoji="1" lang="zh-CN" altLang="en-US" dirty="0"/>
-              <a:t>最小半径</a:t>
-            </a:r>
-            <a:r>
-              <a:rPr kumimoji="1" lang="en-US" altLang="zh-CN" dirty="0"/>
-              <a:t>0.46</a:t>
-            </a:r>
-          </a:p>
-          <a:p>
-            <a:r>
-              <a:rPr kumimoji="1" lang="zh-CN" altLang="en-US" dirty="0"/>
-              <a:t>最大邻近点数</a:t>
-            </a:r>
-            <a:r>
-              <a:rPr kumimoji="1" lang="en-US" altLang="zh-CN" dirty="0"/>
-              <a:t>9</a:t>
-            </a:r>
-            <a:endParaRPr kumimoji="1" lang="zh-CN" altLang="en-US" dirty="0"/>
-          </a:p>
-        </p:txBody>
-      </p:sp>
-      <p:sp>
-        <p:nvSpPr>
-          <p:cNvPr id="11" name="文本框 10">
-            <a:extLst>
-              <a:ext uri="{FF2B5EF4-FFF2-40B4-BE49-F238E27FC236}">
-                <a16:creationId xmlns:a16="http://schemas.microsoft.com/office/drawing/2014/main" id="{A8360C93-EB18-394C-A046-03EC3CEA41CD}"/>
-              </a:ext>
-            </a:extLst>
-          </p:cNvPr>
-          <p:cNvSpPr txBox="1"/>
-          <p:nvPr/>
-        </p:nvSpPr>
-        <p:spPr>
-          <a:xfrm>
-            <a:off x="2753589" y="5838112"/>
-            <a:ext cx="1797627" cy="923330"/>
-          </a:xfrm>
-          <a:prstGeom prst="rect">
-            <a:avLst/>
-          </a:prstGeom>
-          <a:noFill/>
-        </p:spPr>
-        <p:txBody>
-          <a:bodyPr wrap="square" rtlCol="0">
-            <a:spAutoFit/>
-          </a:bodyPr>
-          <a:lstStyle/>
-          <a:p>
-            <a:r>
-              <a:rPr kumimoji="1" lang="en-US" altLang="zh-CN" dirty="0" err="1"/>
-              <a:t>sklearn</a:t>
-            </a:r>
-            <a:endParaRPr kumimoji="1" lang="en-US" altLang="zh-CN" dirty="0"/>
-          </a:p>
-          <a:p>
-            <a:r>
-              <a:rPr kumimoji="1" lang="zh-CN" altLang="en-US" dirty="0">
-                <a:solidFill>
-                  <a:schemeClr val="bg1">
-                    <a:lumMod val="95000"/>
-                  </a:schemeClr>
-                </a:solidFill>
-              </a:rPr>
-              <a:t>最小半径</a:t>
-            </a:r>
-            <a:r>
-              <a:rPr kumimoji="1" lang="en-US" altLang="zh-CN" dirty="0">
-                <a:solidFill>
-                  <a:schemeClr val="bg1">
-                    <a:lumMod val="95000"/>
-                  </a:schemeClr>
-                </a:solidFill>
-              </a:rPr>
-              <a:t>0.46</a:t>
-            </a:r>
-          </a:p>
-          <a:p>
-            <a:r>
-              <a:rPr kumimoji="1" lang="zh-CN" altLang="en-US" dirty="0">
-                <a:solidFill>
-                  <a:schemeClr val="bg1">
-                    <a:lumMod val="95000"/>
-                  </a:schemeClr>
-                </a:solidFill>
-              </a:rPr>
-              <a:t>最大邻近点数</a:t>
-            </a:r>
-            <a:r>
-              <a:rPr kumimoji="1" lang="en-US" altLang="zh-CN" dirty="0">
-                <a:solidFill>
-                  <a:schemeClr val="bg1">
-                    <a:lumMod val="95000"/>
-                  </a:schemeClr>
-                </a:solidFill>
-              </a:rPr>
-              <a:t>9</a:t>
-            </a:r>
-            <a:endParaRPr kumimoji="1" lang="zh-CN" altLang="en-US" dirty="0">
-              <a:solidFill>
-                <a:schemeClr val="bg1">
-                  <a:lumMod val="95000"/>
-                </a:schemeClr>
-              </a:solidFill>
-            </a:endParaRPr>
-          </a:p>
-        </p:txBody>
-      </p:sp>
-    </p:spTree>
-    <p:extLst>
-      <p:ext uri="{BB962C8B-B14F-4D97-AF65-F5344CB8AC3E}">
-        <p14:creationId xmlns:p14="http://schemas.microsoft.com/office/powerpoint/2010/main" val="2662632758"/>
-      </p:ext>
-    </p:extLst>
-  </p:cSld>
-  <p:clrMapOvr>
-    <a:masterClrMapping/>
-  </p:clrMapOvr>
-</p:sld>
-</file>
-
-<file path=ppt/slides/slide18.xml><?xml version="1.0" encoding="utf-8"?>
-<p:sld xmlns:a="http://schemas.openxmlformats.org/drawingml/2006/main" xmlns:r="http://schemas.openxmlformats.org/officeDocument/2006/relationships" xmlns:p="http://schemas.openxmlformats.org/presentationml/2006/main">
-  <p:cSld>
-    <p:spTree>
-      <p:nvGrpSpPr>
-        <p:cNvPr id="1" name=""/>
-        <p:cNvGrpSpPr/>
-        <p:nvPr/>
-      </p:nvGrpSpPr>
-      <p:grpSpPr>
-        <a:xfrm>
-          <a:off x="0" y="0"/>
-          <a:ext cx="0" cy="0"/>
-          <a:chOff x="0" y="0"/>
-          <a:chExt cx="0" cy="0"/>
-        </a:xfrm>
-      </p:grpSpPr>
-      <p:sp>
-        <p:nvSpPr>
-          <p:cNvPr id="2" name="标题 1">
-            <a:extLst>
-              <a:ext uri="{FF2B5EF4-FFF2-40B4-BE49-F238E27FC236}">
-                <a16:creationId xmlns:a16="http://schemas.microsoft.com/office/drawing/2014/main" id="{34320503-B2A1-3E49-B530-A81CDE21CF00}"/>
-              </a:ext>
-            </a:extLst>
-          </p:cNvPr>
-          <p:cNvSpPr>
-            <a:spLocks noGrp="1"/>
-          </p:cNvSpPr>
-          <p:nvPr>
-            <p:ph type="title"/>
-          </p:nvPr>
-        </p:nvSpPr>
-        <p:spPr/>
-        <p:txBody>
-          <a:bodyPr/>
-          <a:lstStyle/>
-          <a:p>
-            <a:r>
-              <a:rPr lang="en" altLang="zh-CN" b="1" dirty="0"/>
-              <a:t>Logistic</a:t>
-            </a:r>
-            <a:r>
-              <a:rPr lang="zh-CN" altLang="en-US" b="1" dirty="0"/>
-              <a:t>算法 </a:t>
-            </a:r>
-            <a:br>
-              <a:rPr lang="zh-CN" altLang="en-US" dirty="0"/>
-            </a:br>
-            <a:endParaRPr kumimoji="1" lang="zh-CN" altLang="en-US" dirty="0"/>
-          </a:p>
-        </p:txBody>
-      </p:sp>
-      <p:sp>
-        <p:nvSpPr>
-          <p:cNvPr id="3" name="内容占位符 2">
-            <a:extLst>
-              <a:ext uri="{FF2B5EF4-FFF2-40B4-BE49-F238E27FC236}">
-                <a16:creationId xmlns:a16="http://schemas.microsoft.com/office/drawing/2014/main" id="{F4C519BF-1995-1A40-88A0-E4723A89BB3E}"/>
-              </a:ext>
-            </a:extLst>
-          </p:cNvPr>
-          <p:cNvSpPr>
-            <a:spLocks noGrp="1"/>
-          </p:cNvSpPr>
-          <p:nvPr>
-            <p:ph idx="1"/>
-          </p:nvPr>
-        </p:nvSpPr>
-        <p:spPr/>
-        <p:txBody>
-          <a:bodyPr/>
-          <a:lstStyle/>
-          <a:p>
-            <a:r>
-              <a:rPr kumimoji="1" lang="zh-CN" altLang="en-US" dirty="0"/>
-              <a:t>设置迭代次数和学习率，然后代入公式迭代，直到损失函数取最小值。</a:t>
-            </a:r>
-          </a:p>
-        </p:txBody>
-      </p:sp>
-      <p:pic>
-        <p:nvPicPr>
-          <p:cNvPr id="4" name="图片 3">
-            <a:extLst>
-              <a:ext uri="{FF2B5EF4-FFF2-40B4-BE49-F238E27FC236}">
-                <a16:creationId xmlns:a16="http://schemas.microsoft.com/office/drawing/2014/main" id="{550C3AE7-CE6B-344C-BDEB-6F95B29A2374}"/>
-              </a:ext>
-            </a:extLst>
-          </p:cNvPr>
-          <p:cNvPicPr>
-            <a:picLocks noChangeAspect="1"/>
-          </p:cNvPicPr>
-          <p:nvPr/>
-        </p:nvPicPr>
-        <p:blipFill>
-          <a:blip r:embed="rId2"/>
-          <a:stretch>
-            <a:fillRect/>
-          </a:stretch>
-        </p:blipFill>
-        <p:spPr>
-          <a:xfrm>
-            <a:off x="1642918" y="3028950"/>
-            <a:ext cx="2006600" cy="800100"/>
-          </a:xfrm>
-          <a:prstGeom prst="rect">
-            <a:avLst/>
-          </a:prstGeom>
-        </p:spPr>
-      </p:pic>
-      <p:pic>
-        <p:nvPicPr>
-          <p:cNvPr id="5" name="图片 4">
-            <a:extLst>
-              <a:ext uri="{FF2B5EF4-FFF2-40B4-BE49-F238E27FC236}">
-                <a16:creationId xmlns:a16="http://schemas.microsoft.com/office/drawing/2014/main" id="{2888613B-4F3B-4A4F-851F-06C4884E9B61}"/>
-              </a:ext>
-            </a:extLst>
-          </p:cNvPr>
-          <p:cNvPicPr>
-            <a:picLocks noChangeAspect="1"/>
-          </p:cNvPicPr>
-          <p:nvPr/>
-        </p:nvPicPr>
-        <p:blipFill>
-          <a:blip r:embed="rId3"/>
-          <a:stretch>
-            <a:fillRect/>
-          </a:stretch>
-        </p:blipFill>
-        <p:spPr>
-          <a:xfrm>
-            <a:off x="1642918" y="4117791"/>
-            <a:ext cx="6477000" cy="596900"/>
-          </a:xfrm>
-          <a:prstGeom prst="rect">
-            <a:avLst/>
-          </a:prstGeom>
-        </p:spPr>
-      </p:pic>
-      <p:pic>
-        <p:nvPicPr>
-          <p:cNvPr id="6" name="图片 5">
-            <a:extLst>
-              <a:ext uri="{FF2B5EF4-FFF2-40B4-BE49-F238E27FC236}">
-                <a16:creationId xmlns:a16="http://schemas.microsoft.com/office/drawing/2014/main" id="{D29C29AB-E033-1540-AF8F-155B007C2005}"/>
-              </a:ext>
-            </a:extLst>
-          </p:cNvPr>
-          <p:cNvPicPr>
-            <a:picLocks noChangeAspect="1"/>
-          </p:cNvPicPr>
-          <p:nvPr/>
-        </p:nvPicPr>
-        <p:blipFill>
-          <a:blip r:embed="rId4"/>
-          <a:stretch>
-            <a:fillRect/>
-          </a:stretch>
-        </p:blipFill>
-        <p:spPr>
-          <a:xfrm>
-            <a:off x="1642918" y="5016709"/>
-            <a:ext cx="4318000" cy="914400"/>
-          </a:xfrm>
-          <a:prstGeom prst="rect">
-            <a:avLst/>
-          </a:prstGeom>
-        </p:spPr>
-      </p:pic>
-      <p:sp>
-        <p:nvSpPr>
-          <p:cNvPr id="7" name="文本框 6">
-            <a:extLst>
-              <a:ext uri="{FF2B5EF4-FFF2-40B4-BE49-F238E27FC236}">
-                <a16:creationId xmlns:a16="http://schemas.microsoft.com/office/drawing/2014/main" id="{90121D6B-826B-CD48-A00E-26010143F92C}"/>
-              </a:ext>
-            </a:extLst>
-          </p:cNvPr>
-          <p:cNvSpPr txBox="1"/>
-          <p:nvPr/>
-        </p:nvSpPr>
-        <p:spPr>
-          <a:xfrm>
-            <a:off x="4393243" y="3244334"/>
-            <a:ext cx="1859973" cy="369332"/>
-          </a:xfrm>
-          <a:prstGeom prst="rect">
-            <a:avLst/>
-          </a:prstGeom>
-          <a:noFill/>
-        </p:spPr>
-        <p:txBody>
-          <a:bodyPr wrap="square" rtlCol="0">
-            <a:spAutoFit/>
-          </a:bodyPr>
-          <a:lstStyle/>
-          <a:p>
-            <a:r>
-              <a:rPr kumimoji="1" lang="en-US" altLang="zh-CN" dirty="0"/>
-              <a:t>Sigmoid</a:t>
-            </a:r>
-            <a:r>
-              <a:rPr kumimoji="1" lang="zh-CN" altLang="en-US" dirty="0"/>
-              <a:t>函数</a:t>
-            </a:r>
-          </a:p>
-        </p:txBody>
-      </p:sp>
-      <p:sp>
-        <p:nvSpPr>
-          <p:cNvPr id="8" name="文本框 7">
-            <a:extLst>
-              <a:ext uri="{FF2B5EF4-FFF2-40B4-BE49-F238E27FC236}">
-                <a16:creationId xmlns:a16="http://schemas.microsoft.com/office/drawing/2014/main" id="{8AB702ED-E6DB-6549-AA61-DA6DA6A0FE5D}"/>
-              </a:ext>
-            </a:extLst>
-          </p:cNvPr>
-          <p:cNvSpPr txBox="1"/>
-          <p:nvPr/>
-        </p:nvSpPr>
-        <p:spPr>
-          <a:xfrm>
-            <a:off x="8598413" y="4231575"/>
-            <a:ext cx="2790024" cy="369332"/>
-          </a:xfrm>
-          <a:prstGeom prst="rect">
-            <a:avLst/>
-          </a:prstGeom>
-          <a:noFill/>
-        </p:spPr>
-        <p:txBody>
-          <a:bodyPr wrap="square" rtlCol="0">
-            <a:spAutoFit/>
-          </a:bodyPr>
-          <a:lstStyle/>
-          <a:p>
-            <a:r>
-              <a:rPr kumimoji="1" lang="zh-CN" altLang="en-US" dirty="0"/>
-              <a:t>损失函数（极大似然估计）</a:t>
-            </a:r>
-          </a:p>
-        </p:txBody>
-      </p:sp>
-      <p:sp>
-        <p:nvSpPr>
-          <p:cNvPr id="9" name="文本框 8">
-            <a:extLst>
-              <a:ext uri="{FF2B5EF4-FFF2-40B4-BE49-F238E27FC236}">
-                <a16:creationId xmlns:a16="http://schemas.microsoft.com/office/drawing/2014/main" id="{041EE9C9-FB32-4046-BEF8-F37ADFAE92BF}"/>
-              </a:ext>
-            </a:extLst>
-          </p:cNvPr>
-          <p:cNvSpPr txBox="1"/>
-          <p:nvPr/>
-        </p:nvSpPr>
-        <p:spPr>
-          <a:xfrm>
-            <a:off x="6431973" y="5289243"/>
-            <a:ext cx="2317172" cy="369332"/>
-          </a:xfrm>
-          <a:prstGeom prst="rect">
-            <a:avLst/>
-          </a:prstGeom>
-          <a:noFill/>
-        </p:spPr>
-        <p:txBody>
-          <a:bodyPr wrap="square" rtlCol="0">
-            <a:spAutoFit/>
-          </a:bodyPr>
-          <a:lstStyle/>
-          <a:p>
-            <a:r>
-              <a:rPr kumimoji="1" lang="zh-CN" altLang="en-US" dirty="0"/>
-              <a:t>求偏导，梯度下降</a:t>
-            </a:r>
-            <a:endParaRPr kumimoji="1" lang="en-US" altLang="zh-CN" dirty="0"/>
-          </a:p>
-        </p:txBody>
-      </p:sp>
-    </p:spTree>
-    <p:extLst>
-      <p:ext uri="{BB962C8B-B14F-4D97-AF65-F5344CB8AC3E}">
-        <p14:creationId xmlns:p14="http://schemas.microsoft.com/office/powerpoint/2010/main" val="1420425795"/>
-      </p:ext>
-    </p:extLst>
-  </p:cSld>
-  <p:clrMapOvr>
-    <a:masterClrMapping/>
-  </p:clrMapOvr>
-</p:sld>
-</file>
-
 <file path=ppt/slides/slide19.xml><?xml version="1.0" encoding="utf-8"?>
 <p:sld xmlns:a="http://schemas.openxmlformats.org/drawingml/2006/main" xmlns:r="http://schemas.openxmlformats.org/officeDocument/2006/relationships" xmlns:p="http://schemas.openxmlformats.org/presentationml/2006/main">
   <p:cSld>
@@ -5929,7 +5916,7 @@
           <p:cNvPr id="2" name="标题 1">
             <a:extLst>
               <a:ext uri="{FF2B5EF4-FFF2-40B4-BE49-F238E27FC236}">
-                <a16:creationId xmlns:a16="http://schemas.microsoft.com/office/drawing/2014/main" id="{65B1A21B-C341-3948-B1E5-56D1A83B896F}"/>
+                <a16:creationId xmlns:a16="http://schemas.microsoft.com/office/drawing/2014/main" id="{55EB393D-D63E-1449-A861-DE34A595FE31}"/>
               </a:ext>
             </a:extLst>
           </p:cNvPr>
@@ -5940,7 +5927,12 @@
             <p:ph type="title"/>
           </p:nvPr>
         </p:nvSpPr>
-        <p:spPr/>
+        <p:spPr>
+          <a:xfrm>
+            <a:off x="298188" y="2726837"/>
+            <a:ext cx="449957" cy="1049235"/>
+          </a:xfrm>
+        </p:spPr>
         <p:txBody>
           <a:bodyPr/>
           <a:lstStyle/>
@@ -5952,58 +5944,21 @@
           </a:p>
         </p:txBody>
       </p:sp>
-      <p:sp>
-        <p:nvSpPr>
-          <p:cNvPr id="3" name="内容占位符 2">
-            <a:extLst>
-              <a:ext uri="{FF2B5EF4-FFF2-40B4-BE49-F238E27FC236}">
-                <a16:creationId xmlns:a16="http://schemas.microsoft.com/office/drawing/2014/main" id="{68219AD6-E18A-F64F-843E-4BB1C381E6A2}"/>
-              </a:ext>
-            </a:extLst>
-          </p:cNvPr>
-          <p:cNvSpPr>
-            <a:spLocks noGrp="1"/>
-          </p:cNvSpPr>
-          <p:nvPr>
-            <p:ph idx="1"/>
-          </p:nvPr>
-        </p:nvSpPr>
-        <p:spPr>
-          <a:xfrm>
-            <a:off x="1451580" y="2015732"/>
-            <a:ext cx="5094694" cy="3450613"/>
-          </a:xfrm>
-        </p:spPr>
-        <p:txBody>
-          <a:bodyPr/>
-          <a:lstStyle/>
-          <a:p>
-            <a:r>
-              <a:rPr lang="zh-CN" altLang="zh-CN" dirty="0"/>
-              <a:t>为了加快收敛速度，使用标准化处理数据 </a:t>
-            </a:r>
-            <a:endParaRPr lang="en-US" altLang="zh-CN" dirty="0"/>
-          </a:p>
-          <a:p>
-            <a:r>
-              <a:rPr lang="zh-CN" altLang="zh-CN" dirty="0"/>
-              <a:t>用以下方法对模型进行评估 </a:t>
-            </a:r>
-            <a:endParaRPr kumimoji="1" lang="zh-CN" altLang="en-US" dirty="0"/>
-          </a:p>
-        </p:txBody>
-      </p:sp>
       <p:pic>
         <p:nvPicPr>
-          <p:cNvPr id="4" name="图片 3">
-            <a:extLst>
-              <a:ext uri="{FF2B5EF4-FFF2-40B4-BE49-F238E27FC236}">
-                <a16:creationId xmlns:a16="http://schemas.microsoft.com/office/drawing/2014/main" id="{946A9CC8-9B2B-5D40-B6F8-49E14780D026}"/>
-              </a:ext>
-            </a:extLst>
-          </p:cNvPr>
-          <p:cNvPicPr/>
-          <p:nvPr/>
+          <p:cNvPr id="4" name="内容占位符 3">
+            <a:extLst>
+              <a:ext uri="{FF2B5EF4-FFF2-40B4-BE49-F238E27FC236}">
+                <a16:creationId xmlns:a16="http://schemas.microsoft.com/office/drawing/2014/main" id="{091184C0-E20C-2E41-B367-FC55ED9F1C51}"/>
+              </a:ext>
+            </a:extLst>
+          </p:cNvPr>
+          <p:cNvPicPr>
+            <a:picLocks noGrp="1"/>
+          </p:cNvPicPr>
+          <p:nvPr>
+            <p:ph idx="1"/>
+          </p:nvPr>
         </p:nvPicPr>
         <p:blipFill>
           <a:blip r:embed="rId2"/>
@@ -6013,8 +5968,8 @@
         </p:blipFill>
         <p:spPr>
           <a:xfrm>
-            <a:off x="7032798" y="218509"/>
-            <a:ext cx="4578840" cy="1980245"/>
+            <a:off x="5092347" y="232960"/>
+            <a:ext cx="5962505" cy="1557548"/>
           </a:xfrm>
           <a:prstGeom prst="rect">
             <a:avLst/>
@@ -6026,13 +5981,11 @@
           <p:cNvPr id="5" name="图片 4">
             <a:extLst>
               <a:ext uri="{FF2B5EF4-FFF2-40B4-BE49-F238E27FC236}">
-                <a16:creationId xmlns:a16="http://schemas.microsoft.com/office/drawing/2014/main" id="{75161E7D-3168-5B40-B3FB-C9426EBB9AD0}"/>
-              </a:ext>
-            </a:extLst>
-          </p:cNvPr>
-          <p:cNvPicPr>
-            <a:picLocks noChangeAspect="1"/>
-          </p:cNvPicPr>
+                <a16:creationId xmlns:a16="http://schemas.microsoft.com/office/drawing/2014/main" id="{FD3023AE-FF6B-1D40-8D15-023981EF7AD4}"/>
+              </a:ext>
+            </a:extLst>
+          </p:cNvPr>
+          <p:cNvPicPr/>
           <p:nvPr/>
         </p:nvPicPr>
         <p:blipFill>
@@ -6043,8 +5996,8 @@
         </p:blipFill>
         <p:spPr>
           <a:xfrm>
-            <a:off x="7032798" y="2319770"/>
-            <a:ext cx="4578840" cy="2218459"/>
+            <a:off x="5092347" y="1871452"/>
+            <a:ext cx="5962505" cy="1557548"/>
           </a:xfrm>
           <a:prstGeom prst="rect">
             <a:avLst/>
@@ -6056,13 +6009,11 @@
           <p:cNvPr id="6" name="图片 5">
             <a:extLst>
               <a:ext uri="{FF2B5EF4-FFF2-40B4-BE49-F238E27FC236}">
-                <a16:creationId xmlns:a16="http://schemas.microsoft.com/office/drawing/2014/main" id="{9F8DEDA9-9756-0A4A-8452-11FE903161F1}"/>
-              </a:ext>
-            </a:extLst>
-          </p:cNvPr>
-          <p:cNvPicPr>
-            <a:picLocks noChangeAspect="1"/>
-          </p:cNvPicPr>
+                <a16:creationId xmlns:a16="http://schemas.microsoft.com/office/drawing/2014/main" id="{EED1D1B2-37A6-3F4A-9B59-DFAB957E1650}"/>
+              </a:ext>
+            </a:extLst>
+          </p:cNvPr>
+          <p:cNvPicPr/>
           <p:nvPr/>
         </p:nvPicPr>
         <p:blipFill>
@@ -6073,20 +6024,48 @@
         </p:blipFill>
         <p:spPr>
           <a:xfrm>
-            <a:off x="7032799" y="4659245"/>
-            <a:ext cx="4585164" cy="1783119"/>
+            <a:off x="5092348" y="3575069"/>
+            <a:ext cx="5962504" cy="1557547"/>
           </a:xfrm>
           <a:prstGeom prst="rect">
             <a:avLst/>
           </a:prstGeom>
         </p:spPr>
       </p:pic>
-      <p:sp>
-        <p:nvSpPr>
-          <p:cNvPr id="7" name="文本框 6">
-            <a:extLst>
-              <a:ext uri="{FF2B5EF4-FFF2-40B4-BE49-F238E27FC236}">
-                <a16:creationId xmlns:a16="http://schemas.microsoft.com/office/drawing/2014/main" id="{06A63956-BC9D-304E-B4C6-DF2FC01FCB3C}"/>
+      <p:pic>
+        <p:nvPicPr>
+          <p:cNvPr id="7" name="图片 6">
+            <a:extLst>
+              <a:ext uri="{FF2B5EF4-FFF2-40B4-BE49-F238E27FC236}">
+                <a16:creationId xmlns:a16="http://schemas.microsoft.com/office/drawing/2014/main" id="{E121EC5B-73B0-8B4D-9D76-B393EC8BAF53}"/>
+              </a:ext>
+            </a:extLst>
+          </p:cNvPr>
+          <p:cNvPicPr/>
+          <p:nvPr/>
+        </p:nvPicPr>
+        <p:blipFill>
+          <a:blip r:embed="rId5"/>
+          <a:stretch>
+            <a:fillRect/>
+          </a:stretch>
+        </p:blipFill>
+        <p:spPr>
+          <a:xfrm>
+            <a:off x="5092346" y="5300452"/>
+            <a:ext cx="5962503" cy="1557548"/>
+          </a:xfrm>
+          <a:prstGeom prst="rect">
+            <a:avLst/>
+          </a:prstGeom>
+        </p:spPr>
+      </p:pic>
+      <p:sp>
+        <p:nvSpPr>
+          <p:cNvPr id="8" name="文本框 7">
+            <a:extLst>
+              <a:ext uri="{FF2B5EF4-FFF2-40B4-BE49-F238E27FC236}">
+                <a16:creationId xmlns:a16="http://schemas.microsoft.com/office/drawing/2014/main" id="{2C68DD92-D210-BB49-ABF5-00E9E2651803}"/>
               </a:ext>
             </a:extLst>
           </p:cNvPr>
@@ -6095,8 +6074,8 @@
         </p:nvSpPr>
         <p:spPr>
           <a:xfrm>
-            <a:off x="5633604" y="953832"/>
-            <a:ext cx="924791" cy="369332"/>
+            <a:off x="2753591" y="827068"/>
+            <a:ext cx="1797627" cy="369332"/>
           </a:xfrm>
           <a:prstGeom prst="rect">
             <a:avLst/>
@@ -6111,17 +6090,17 @@
           <a:p>
             <a:r>
               <a:rPr kumimoji="1" lang="zh-CN" altLang="en-US" dirty="0"/>
-              <a:t>标准化</a:t>
-            </a:r>
-          </a:p>
-        </p:txBody>
-      </p:sp>
-      <p:sp>
-        <p:nvSpPr>
-          <p:cNvPr id="8" name="文本框 7">
-            <a:extLst>
-              <a:ext uri="{FF2B5EF4-FFF2-40B4-BE49-F238E27FC236}">
-                <a16:creationId xmlns:a16="http://schemas.microsoft.com/office/drawing/2014/main" id="{0DBDF5A6-EBA9-7B42-BD88-1FC798B60516}"/>
+              <a:t>原数据</a:t>
+            </a:r>
+          </a:p>
+        </p:txBody>
+      </p:sp>
+      <p:sp>
+        <p:nvSpPr>
+          <p:cNvPr id="9" name="文本框 8">
+            <a:extLst>
+              <a:ext uri="{FF2B5EF4-FFF2-40B4-BE49-F238E27FC236}">
+                <a16:creationId xmlns:a16="http://schemas.microsoft.com/office/drawing/2014/main" id="{11AAD62A-010C-3C4B-AD40-96274FF34C45}"/>
               </a:ext>
             </a:extLst>
           </p:cNvPr>
@@ -6130,8 +6109,8 @@
         </p:nvSpPr>
         <p:spPr>
           <a:xfrm>
-            <a:off x="5372100" y="3273136"/>
-            <a:ext cx="1350818" cy="646331"/>
+            <a:off x="2753590" y="2357505"/>
+            <a:ext cx="1797627" cy="646331"/>
           </a:xfrm>
           <a:prstGeom prst="rect">
             <a:avLst/>
@@ -6146,17 +6125,32 @@
           <a:p>
             <a:r>
               <a:rPr kumimoji="1" lang="zh-CN" altLang="en-US" dirty="0"/>
-              <a:t>混淆矩阵以及评估数值</a:t>
-            </a:r>
-          </a:p>
-        </p:txBody>
-      </p:sp>
-      <p:sp>
-        <p:nvSpPr>
-          <p:cNvPr id="9" name="文本框 8">
-            <a:extLst>
-              <a:ext uri="{FF2B5EF4-FFF2-40B4-BE49-F238E27FC236}">
-                <a16:creationId xmlns:a16="http://schemas.microsoft.com/office/drawing/2014/main" id="{668B6EAD-95B7-FB45-BD9A-DE4072607405}"/>
+              <a:t>最小半径</a:t>
+            </a:r>
+            <a:r>
+              <a:rPr kumimoji="1" lang="en-US" altLang="zh-CN" dirty="0"/>
+              <a:t>1</a:t>
+            </a:r>
+          </a:p>
+          <a:p>
+            <a:r>
+              <a:rPr kumimoji="1" lang="zh-CN" altLang="en-US" dirty="0"/>
+              <a:t>最大邻近点数</a:t>
+            </a:r>
+            <a:r>
+              <a:rPr kumimoji="1" lang="en-US" altLang="zh-CN" dirty="0"/>
+              <a:t>5</a:t>
+            </a:r>
+            <a:endParaRPr kumimoji="1" lang="zh-CN" altLang="en-US" dirty="0"/>
+          </a:p>
+        </p:txBody>
+      </p:sp>
+      <p:sp>
+        <p:nvSpPr>
+          <p:cNvPr id="10" name="文本框 9">
+            <a:extLst>
+              <a:ext uri="{FF2B5EF4-FFF2-40B4-BE49-F238E27FC236}">
+                <a16:creationId xmlns:a16="http://schemas.microsoft.com/office/drawing/2014/main" id="{480B2AEE-1CDE-4345-A22F-8D5FF2D97EB8}"/>
               </a:ext>
             </a:extLst>
           </p:cNvPr>
@@ -6165,8 +6159,8 @@
         </p:nvSpPr>
         <p:spPr>
           <a:xfrm>
-            <a:off x="5444836" y="5320145"/>
-            <a:ext cx="1278082" cy="369332"/>
+            <a:off x="2753589" y="4030676"/>
+            <a:ext cx="1797627" cy="646331"/>
           </a:xfrm>
           <a:prstGeom prst="rect">
             <a:avLst/>
@@ -6180,16 +6174,118 @@
           <a:lstStyle/>
           <a:p>
             <a:r>
+              <a:rPr kumimoji="1" lang="zh-CN" altLang="en-US" dirty="0"/>
+              <a:t>最小半径</a:t>
+            </a:r>
+            <a:r>
               <a:rPr kumimoji="1" lang="en-US" altLang="zh-CN" dirty="0"/>
-              <a:t>PR/ROC</a:t>
-            </a:r>
+              <a:t>0.46</a:t>
+            </a:r>
+          </a:p>
+          <a:p>
+            <a:r>
+              <a:rPr kumimoji="1" lang="zh-CN" altLang="en-US" dirty="0"/>
+              <a:t>最大邻近点数</a:t>
+            </a:r>
+            <a:r>
+              <a:rPr kumimoji="1" lang="en-US" altLang="zh-CN" dirty="0"/>
+              <a:t>9</a:t>
+            </a:r>
+            <a:endParaRPr kumimoji="1" lang="zh-CN" altLang="en-US" dirty="0"/>
+          </a:p>
+        </p:txBody>
+      </p:sp>
+      <p:sp>
+        <p:nvSpPr>
+          <p:cNvPr id="11" name="文本框 10">
+            <a:extLst>
+              <a:ext uri="{FF2B5EF4-FFF2-40B4-BE49-F238E27FC236}">
+                <a16:creationId xmlns:a16="http://schemas.microsoft.com/office/drawing/2014/main" id="{A8360C93-EB18-394C-A046-03EC3CEA41CD}"/>
+              </a:ext>
+            </a:extLst>
+          </p:cNvPr>
+          <p:cNvSpPr txBox="1"/>
+          <p:nvPr/>
+        </p:nvSpPr>
+        <p:spPr>
+          <a:xfrm>
+            <a:off x="2753589" y="5838112"/>
+            <a:ext cx="1797627" cy="923330"/>
+          </a:xfrm>
+          <a:prstGeom prst="rect">
+            <a:avLst/>
+          </a:prstGeom>
+          <a:noFill/>
+        </p:spPr>
+        <p:txBody>
+          <a:bodyPr wrap="square" rtlCol="0">
+            <a:spAutoFit/>
+          </a:bodyPr>
+          <a:lstStyle/>
+          <a:p>
+            <a:r>
+              <a:rPr kumimoji="1" lang="en-US" altLang="zh-CN" dirty="0" err="1"/>
+              <a:t>sklearn</a:t>
+            </a:r>
+            <a:endParaRPr kumimoji="1" lang="en-US" altLang="zh-CN" dirty="0"/>
+          </a:p>
+          <a:p>
+            <a:r>
+              <a:rPr kumimoji="1" lang="zh-CN" altLang="en-US" dirty="0">
+                <a:solidFill>
+                  <a:schemeClr val="bg1">
+                    <a:lumMod val="95000"/>
+                  </a:schemeClr>
+                </a:solidFill>
+              </a:rPr>
+              <a:t>最小半径</a:t>
+            </a:r>
+            <a:r>
+              <a:rPr kumimoji="1" lang="en-US" altLang="zh-CN" dirty="0">
+                <a:solidFill>
+                  <a:schemeClr val="bg1">
+                    <a:lumMod val="95000"/>
+                  </a:schemeClr>
+                </a:solidFill>
+              </a:rPr>
+              <a:t>0.46</a:t>
+            </a:r>
+          </a:p>
+          <a:p>
+            <a:r>
+              <a:rPr kumimoji="1" lang="zh-CN" altLang="en-US" dirty="0">
+                <a:solidFill>
+                  <a:schemeClr val="bg1">
+                    <a:lumMod val="95000"/>
+                  </a:schemeClr>
+                </a:solidFill>
+              </a:rPr>
+              <a:t>最大邻近点数</a:t>
+            </a:r>
+            <a:r>
+              <a:rPr kumimoji="1" lang="en-US" altLang="zh-CN" dirty="0">
+                <a:solidFill>
+                  <a:schemeClr val="bg1">
+                    <a:lumMod val="95000"/>
+                  </a:schemeClr>
+                </a:solidFill>
+              </a:rPr>
+              <a:t>9</a:t>
+            </a:r>
+            <a:endParaRPr kumimoji="1" lang="zh-CN" altLang="en-US" dirty="0">
+              <a:solidFill>
+                <a:schemeClr val="bg1">
+                  <a:lumMod val="95000"/>
+                </a:schemeClr>
+              </a:solidFill>
+            </a:endParaRPr>
           </a:p>
         </p:txBody>
       </p:sp>
     </p:spTree>
     <p:extLst>
       <p:ext uri="{BB962C8B-B14F-4D97-AF65-F5344CB8AC3E}">
-        <p14:creationId xmlns:p14="http://schemas.microsoft.com/office/powerpoint/2010/main" val="1764159177"/>
+        <p14:creationId xmlns:p14="http://schemas.microsoft.com/office/powerpoint/2010/main" val="2662632758"/>
       </p:ext>
     </p:extLst>
   </p:cSld>
@@ -6641,7 +6737,7 @@
           <p:cNvPr id="2" name="标题 1">
             <a:extLst>
               <a:ext uri="{FF2B5EF4-FFF2-40B4-BE49-F238E27FC236}">
-                <a16:creationId xmlns:a16="http://schemas.microsoft.com/office/drawing/2014/main" id="{FB2324D9-5345-1A48-AF5D-A4C836D39F6D}"/>
+                <a16:creationId xmlns:a16="http://schemas.microsoft.com/office/drawing/2014/main" id="{34320503-B2A1-3E49-B530-A81CDE21CF00}"/>
               </a:ext>
             </a:extLst>
           </p:cNvPr>
@@ -6659,11 +6755,11 @@
           <a:p>
             <a:r>
               <a:rPr lang="en" altLang="zh-CN" b="1" dirty="0"/>
-              <a:t>bp</a:t>
+              <a:t>Logistic</a:t>
             </a:r>
             <a:r>
               <a:rPr lang="zh-CN" altLang="en-US" b="1" dirty="0"/>
-              <a:t>神经网络 </a:t>
+              <a:t>算法 </a:t>
             </a:r>
             <a:br>
               <a:rPr lang="zh-CN" altLang="en-US" dirty="0"/>
@@ -6677,7 +6773,7 @@
           <p:cNvPr id="3" name="内容占位符 2">
             <a:extLst>
               <a:ext uri="{FF2B5EF4-FFF2-40B4-BE49-F238E27FC236}">
-                <a16:creationId xmlns:a16="http://schemas.microsoft.com/office/drawing/2014/main" id="{EE3FAFA6-A9DD-7745-9D1D-C350C2465A63}"/>
+                <a16:creationId xmlns:a16="http://schemas.microsoft.com/office/drawing/2014/main" id="{F4C519BF-1995-1A40-88A0-E4723A89BB3E}"/>
               </a:ext>
             </a:extLst>
           </p:cNvPr>
@@ -6695,7 +6791,7 @@
           <a:p>
             <a:r>
               <a:rPr kumimoji="1" lang="zh-CN" altLang="en-US" dirty="0"/>
-              <a:t>设置迭代次数和学习率，然后代入公式迭代，直到损失函数取最小值</a:t>
+              <a:t>设置迭代次数和学习率，然后代入公式迭代，直到损失函数取最小值。</a:t>
             </a:r>
           </a:p>
         </p:txBody>
@@ -6705,11 +6801,13 @@
           <p:cNvPr id="4" name="图片 3">
             <a:extLst>
               <a:ext uri="{FF2B5EF4-FFF2-40B4-BE49-F238E27FC236}">
-                <a16:creationId xmlns:a16="http://schemas.microsoft.com/office/drawing/2014/main" id="{500DC19E-D8FB-1045-BDB0-9033063830A4}"/>
-              </a:ext>
-            </a:extLst>
-          </p:cNvPr>
-          <p:cNvPicPr/>
+                <a16:creationId xmlns:a16="http://schemas.microsoft.com/office/drawing/2014/main" id="{550C3AE7-CE6B-344C-BDEB-6F95B29A2374}"/>
+              </a:ext>
+            </a:extLst>
+          </p:cNvPr>
+          <p:cNvPicPr>
+            <a:picLocks noChangeAspect="1"/>
+          </p:cNvPicPr>
           <p:nvPr/>
         </p:nvPicPr>
         <p:blipFill>
@@ -6720,8 +6818,8 @@
         </p:blipFill>
         <p:spPr>
           <a:xfrm>
-            <a:off x="358573" y="2844076"/>
-            <a:ext cx="5419260" cy="2622269"/>
+            <a:off x="1642918" y="3028950"/>
+            <a:ext cx="2006600" cy="800100"/>
           </a:xfrm>
           <a:prstGeom prst="rect">
             <a:avLst/>
@@ -6733,11 +6831,13 @@
           <p:cNvPr id="5" name="图片 4">
             <a:extLst>
               <a:ext uri="{FF2B5EF4-FFF2-40B4-BE49-F238E27FC236}">
-                <a16:creationId xmlns:a16="http://schemas.microsoft.com/office/drawing/2014/main" id="{CD976F65-43A2-3444-AA2F-30CF3308FEB2}"/>
-              </a:ext>
-            </a:extLst>
-          </p:cNvPr>
-          <p:cNvPicPr/>
+                <a16:creationId xmlns:a16="http://schemas.microsoft.com/office/drawing/2014/main" id="{2888613B-4F3B-4A4F-851F-06C4884E9B61}"/>
+              </a:ext>
+            </a:extLst>
+          </p:cNvPr>
+          <p:cNvPicPr>
+            <a:picLocks noChangeAspect="1"/>
+          </p:cNvPicPr>
           <p:nvPr/>
         </p:nvPicPr>
         <p:blipFill>
@@ -6748,18 +6848,158 @@
         </p:blipFill>
         <p:spPr>
           <a:xfrm>
-            <a:off x="6096000" y="2540495"/>
-            <a:ext cx="5317168" cy="3205677"/>
+            <a:off x="1642918" y="4117791"/>
+            <a:ext cx="6477000" cy="596900"/>
           </a:xfrm>
           <a:prstGeom prst="rect">
             <a:avLst/>
           </a:prstGeom>
         </p:spPr>
       </p:pic>
+      <p:pic>
+        <p:nvPicPr>
+          <p:cNvPr id="6" name="图片 5">
+            <a:extLst>
+              <a:ext uri="{FF2B5EF4-FFF2-40B4-BE49-F238E27FC236}">
+                <a16:creationId xmlns:a16="http://schemas.microsoft.com/office/drawing/2014/main" id="{D29C29AB-E033-1540-AF8F-155B007C2005}"/>
+              </a:ext>
+            </a:extLst>
+          </p:cNvPr>
+          <p:cNvPicPr>
+            <a:picLocks noChangeAspect="1"/>
+          </p:cNvPicPr>
+          <p:nvPr/>
+        </p:nvPicPr>
+        <p:blipFill>
+          <a:blip r:embed="rId4"/>
+          <a:stretch>
+            <a:fillRect/>
+          </a:stretch>
+        </p:blipFill>
+        <p:spPr>
+          <a:xfrm>
+            <a:off x="1642918" y="5016709"/>
+            <a:ext cx="4318000" cy="914400"/>
+          </a:xfrm>
+          <a:prstGeom prst="rect">
+            <a:avLst/>
+          </a:prstGeom>
+        </p:spPr>
+      </p:pic>
+      <p:sp>
+        <p:nvSpPr>
+          <p:cNvPr id="7" name="文本框 6">
+            <a:extLst>
+              <a:ext uri="{FF2B5EF4-FFF2-40B4-BE49-F238E27FC236}">
+                <a16:creationId xmlns:a16="http://schemas.microsoft.com/office/drawing/2014/main" id="{90121D6B-826B-CD48-A00E-26010143F92C}"/>
+              </a:ext>
+            </a:extLst>
+          </p:cNvPr>
+          <p:cNvSpPr txBox="1"/>
+          <p:nvPr/>
+        </p:nvSpPr>
+        <p:spPr>
+          <a:xfrm>
+            <a:off x="4393243" y="3244334"/>
+            <a:ext cx="1859973" cy="369332"/>
+          </a:xfrm>
+          <a:prstGeom prst="rect">
+            <a:avLst/>
+          </a:prstGeom>
+          <a:noFill/>
+        </p:spPr>
+        <p:txBody>
+          <a:bodyPr wrap="square" rtlCol="0">
+            <a:spAutoFit/>
+          </a:bodyPr>
+          <a:lstStyle/>
+          <a:p>
+            <a:r>
+              <a:rPr kumimoji="1" lang="en-US" altLang="zh-CN" dirty="0"/>
+              <a:t>Sigmoid</a:t>
+            </a:r>
+            <a:r>
+              <a:rPr kumimoji="1" lang="zh-CN" altLang="en-US" dirty="0"/>
+              <a:t>函数</a:t>
+            </a:r>
+          </a:p>
+        </p:txBody>
+      </p:sp>
+      <p:sp>
+        <p:nvSpPr>
+          <p:cNvPr id="8" name="文本框 7">
+            <a:extLst>
+              <a:ext uri="{FF2B5EF4-FFF2-40B4-BE49-F238E27FC236}">
+                <a16:creationId xmlns:a16="http://schemas.microsoft.com/office/drawing/2014/main" id="{8AB702ED-E6DB-6549-AA61-DA6DA6A0FE5D}"/>
+              </a:ext>
+            </a:extLst>
+          </p:cNvPr>
+          <p:cNvSpPr txBox="1"/>
+          <p:nvPr/>
+        </p:nvSpPr>
+        <p:spPr>
+          <a:xfrm>
+            <a:off x="8598413" y="4231575"/>
+            <a:ext cx="2790024" cy="369332"/>
+          </a:xfrm>
+          <a:prstGeom prst="rect">
+            <a:avLst/>
+          </a:prstGeom>
+          <a:noFill/>
+        </p:spPr>
+        <p:txBody>
+          <a:bodyPr wrap="square" rtlCol="0">
+            <a:spAutoFit/>
+          </a:bodyPr>
+          <a:lstStyle/>
+          <a:p>
+            <a:r>
+              <a:rPr kumimoji="1" lang="zh-CN" altLang="en-US" dirty="0"/>
+              <a:t>损失函数（极大似然估计）</a:t>
+            </a:r>
+          </a:p>
+        </p:txBody>
+      </p:sp>
+      <p:sp>
+        <p:nvSpPr>
+          <p:cNvPr id="9" name="文本框 8">
+            <a:extLst>
+              <a:ext uri="{FF2B5EF4-FFF2-40B4-BE49-F238E27FC236}">
+                <a16:creationId xmlns:a16="http://schemas.microsoft.com/office/drawing/2014/main" id="{041EE9C9-FB32-4046-BEF8-F37ADFAE92BF}"/>
+              </a:ext>
+            </a:extLst>
+          </p:cNvPr>
+          <p:cNvSpPr txBox="1"/>
+          <p:nvPr/>
+        </p:nvSpPr>
+        <p:spPr>
+          <a:xfrm>
+            <a:off x="6431973" y="5289243"/>
+            <a:ext cx="2317172" cy="369332"/>
+          </a:xfrm>
+          <a:prstGeom prst="rect">
+            <a:avLst/>
+          </a:prstGeom>
+          <a:noFill/>
+        </p:spPr>
+        <p:txBody>
+          <a:bodyPr wrap="square" rtlCol="0">
+            <a:spAutoFit/>
+          </a:bodyPr>
+          <a:lstStyle/>
+          <a:p>
+            <a:r>
+              <a:rPr kumimoji="1" lang="zh-CN" altLang="en-US" dirty="0"/>
+              <a:t>求偏导，梯度下降</a:t>
+            </a:r>
+            <a:endParaRPr kumimoji="1" lang="en-US" altLang="zh-CN" dirty="0"/>
+          </a:p>
+        </p:txBody>
+      </p:sp>
     </p:spTree>
     <p:extLst>
       <p:ext uri="{BB962C8B-B14F-4D97-AF65-F5344CB8AC3E}">
-        <p14:creationId xmlns:p14="http://schemas.microsoft.com/office/powerpoint/2010/main" val="3510831597"/>
+        <p14:creationId xmlns:p14="http://schemas.microsoft.com/office/powerpoint/2010/main" val="1420425795"/>
       </p:ext>
     </p:extLst>
   </p:cSld>
@@ -6791,6 +7031,448 @@
           <p:cNvPr id="2" name="标题 1">
             <a:extLst>
               <a:ext uri="{FF2B5EF4-FFF2-40B4-BE49-F238E27FC236}">
+                <a16:creationId xmlns:a16="http://schemas.microsoft.com/office/drawing/2014/main" id="{65B1A21B-C341-3948-B1E5-56D1A83B896F}"/>
+              </a:ext>
+            </a:extLst>
+          </p:cNvPr>
+          <p:cNvSpPr>
+            <a:spLocks noGrp="1"/>
+          </p:cNvSpPr>
+          <p:nvPr>
+            <p:ph type="title"/>
+          </p:nvPr>
+        </p:nvSpPr>
+        <p:spPr/>
+        <p:txBody>
+          <a:bodyPr/>
+          <a:lstStyle/>
+          <a:p>
+            <a:r>
+              <a:rPr kumimoji="1" lang="zh-CN" altLang="en-US" dirty="0"/>
+              <a:t>实践</a:t>
+            </a:r>
+          </a:p>
+        </p:txBody>
+      </p:sp>
+      <p:sp>
+        <p:nvSpPr>
+          <p:cNvPr id="3" name="内容占位符 2">
+            <a:extLst>
+              <a:ext uri="{FF2B5EF4-FFF2-40B4-BE49-F238E27FC236}">
+                <a16:creationId xmlns:a16="http://schemas.microsoft.com/office/drawing/2014/main" id="{68219AD6-E18A-F64F-843E-4BB1C381E6A2}"/>
+              </a:ext>
+            </a:extLst>
+          </p:cNvPr>
+          <p:cNvSpPr>
+            <a:spLocks noGrp="1"/>
+          </p:cNvSpPr>
+          <p:nvPr>
+            <p:ph idx="1"/>
+          </p:nvPr>
+        </p:nvSpPr>
+        <p:spPr>
+          <a:xfrm>
+            <a:off x="1451580" y="2015732"/>
+            <a:ext cx="5094694" cy="3450613"/>
+          </a:xfrm>
+        </p:spPr>
+        <p:txBody>
+          <a:bodyPr/>
+          <a:lstStyle/>
+          <a:p>
+            <a:r>
+              <a:rPr lang="zh-CN" altLang="zh-CN" dirty="0"/>
+              <a:t>为了加快收敛速度，使用标准化处理数据 </a:t>
+            </a:r>
+            <a:endParaRPr lang="en-US" altLang="zh-CN" dirty="0"/>
+          </a:p>
+          <a:p>
+            <a:r>
+              <a:rPr lang="zh-CN" altLang="zh-CN" dirty="0"/>
+              <a:t>用以下方法对模型进行评估 </a:t>
+            </a:r>
+            <a:endParaRPr kumimoji="1" lang="zh-CN" altLang="en-US" dirty="0"/>
+          </a:p>
+        </p:txBody>
+      </p:sp>
+      <p:pic>
+        <p:nvPicPr>
+          <p:cNvPr id="4" name="图片 3">
+            <a:extLst>
+              <a:ext uri="{FF2B5EF4-FFF2-40B4-BE49-F238E27FC236}">
+                <a16:creationId xmlns:a16="http://schemas.microsoft.com/office/drawing/2014/main" id="{946A9CC8-9B2B-5D40-B6F8-49E14780D026}"/>
+              </a:ext>
+            </a:extLst>
+          </p:cNvPr>
+          <p:cNvPicPr/>
+          <p:nvPr/>
+        </p:nvPicPr>
+        <p:blipFill>
+          <a:blip r:embed="rId2"/>
+          <a:stretch>
+            <a:fillRect/>
+          </a:stretch>
+        </p:blipFill>
+        <p:spPr>
+          <a:xfrm>
+            <a:off x="7032798" y="218509"/>
+            <a:ext cx="4578840" cy="1980245"/>
+          </a:xfrm>
+          <a:prstGeom prst="rect">
+            <a:avLst/>
+          </a:prstGeom>
+        </p:spPr>
+      </p:pic>
+      <p:pic>
+        <p:nvPicPr>
+          <p:cNvPr id="5" name="图片 4">
+            <a:extLst>
+              <a:ext uri="{FF2B5EF4-FFF2-40B4-BE49-F238E27FC236}">
+                <a16:creationId xmlns:a16="http://schemas.microsoft.com/office/drawing/2014/main" id="{75161E7D-3168-5B40-B3FB-C9426EBB9AD0}"/>
+              </a:ext>
+            </a:extLst>
+          </p:cNvPr>
+          <p:cNvPicPr>
+            <a:picLocks noChangeAspect="1"/>
+          </p:cNvPicPr>
+          <p:nvPr/>
+        </p:nvPicPr>
+        <p:blipFill>
+          <a:blip r:embed="rId3"/>
+          <a:stretch>
+            <a:fillRect/>
+          </a:stretch>
+        </p:blipFill>
+        <p:spPr>
+          <a:xfrm>
+            <a:off x="7032798" y="2319770"/>
+            <a:ext cx="4578840" cy="2218459"/>
+          </a:xfrm>
+          <a:prstGeom prst="rect">
+            <a:avLst/>
+          </a:prstGeom>
+        </p:spPr>
+      </p:pic>
+      <p:pic>
+        <p:nvPicPr>
+          <p:cNvPr id="6" name="图片 5">
+            <a:extLst>
+              <a:ext uri="{FF2B5EF4-FFF2-40B4-BE49-F238E27FC236}">
+                <a16:creationId xmlns:a16="http://schemas.microsoft.com/office/drawing/2014/main" id="{9F8DEDA9-9756-0A4A-8452-11FE903161F1}"/>
+              </a:ext>
+            </a:extLst>
+          </p:cNvPr>
+          <p:cNvPicPr>
+            <a:picLocks noChangeAspect="1"/>
+          </p:cNvPicPr>
+          <p:nvPr/>
+        </p:nvPicPr>
+        <p:blipFill>
+          <a:blip r:embed="rId4"/>
+          <a:stretch>
+            <a:fillRect/>
+          </a:stretch>
+        </p:blipFill>
+        <p:spPr>
+          <a:xfrm>
+            <a:off x="7032799" y="4659245"/>
+            <a:ext cx="4585164" cy="1783119"/>
+          </a:xfrm>
+          <a:prstGeom prst="rect">
+            <a:avLst/>
+          </a:prstGeom>
+        </p:spPr>
+      </p:pic>
+      <p:sp>
+        <p:nvSpPr>
+          <p:cNvPr id="7" name="文本框 6">
+            <a:extLst>
+              <a:ext uri="{FF2B5EF4-FFF2-40B4-BE49-F238E27FC236}">
+                <a16:creationId xmlns:a16="http://schemas.microsoft.com/office/drawing/2014/main" id="{06A63956-BC9D-304E-B4C6-DF2FC01FCB3C}"/>
+              </a:ext>
+            </a:extLst>
+          </p:cNvPr>
+          <p:cNvSpPr txBox="1"/>
+          <p:nvPr/>
+        </p:nvSpPr>
+        <p:spPr>
+          <a:xfrm>
+            <a:off x="5633604" y="953832"/>
+            <a:ext cx="924791" cy="369332"/>
+          </a:xfrm>
+          <a:prstGeom prst="rect">
+            <a:avLst/>
+          </a:prstGeom>
+          <a:noFill/>
+        </p:spPr>
+        <p:txBody>
+          <a:bodyPr wrap="square" rtlCol="0">
+            <a:spAutoFit/>
+          </a:bodyPr>
+          <a:lstStyle/>
+          <a:p>
+            <a:r>
+              <a:rPr kumimoji="1" lang="zh-CN" altLang="en-US" dirty="0"/>
+              <a:t>标准化</a:t>
+            </a:r>
+          </a:p>
+        </p:txBody>
+      </p:sp>
+      <p:sp>
+        <p:nvSpPr>
+          <p:cNvPr id="8" name="文本框 7">
+            <a:extLst>
+              <a:ext uri="{FF2B5EF4-FFF2-40B4-BE49-F238E27FC236}">
+                <a16:creationId xmlns:a16="http://schemas.microsoft.com/office/drawing/2014/main" id="{0DBDF5A6-EBA9-7B42-BD88-1FC798B60516}"/>
+              </a:ext>
+            </a:extLst>
+          </p:cNvPr>
+          <p:cNvSpPr txBox="1"/>
+          <p:nvPr/>
+        </p:nvSpPr>
+        <p:spPr>
+          <a:xfrm>
+            <a:off x="5372100" y="3273136"/>
+            <a:ext cx="1350818" cy="646331"/>
+          </a:xfrm>
+          <a:prstGeom prst="rect">
+            <a:avLst/>
+          </a:prstGeom>
+          <a:noFill/>
+        </p:spPr>
+        <p:txBody>
+          <a:bodyPr wrap="square" rtlCol="0">
+            <a:spAutoFit/>
+          </a:bodyPr>
+          <a:lstStyle/>
+          <a:p>
+            <a:r>
+              <a:rPr kumimoji="1" lang="zh-CN" altLang="en-US" dirty="0"/>
+              <a:t>混淆矩阵以及评估数值</a:t>
+            </a:r>
+          </a:p>
+        </p:txBody>
+      </p:sp>
+      <p:sp>
+        <p:nvSpPr>
+          <p:cNvPr id="9" name="文本框 8">
+            <a:extLst>
+              <a:ext uri="{FF2B5EF4-FFF2-40B4-BE49-F238E27FC236}">
+                <a16:creationId xmlns:a16="http://schemas.microsoft.com/office/drawing/2014/main" id="{668B6EAD-95B7-FB45-BD9A-DE4072607405}"/>
+              </a:ext>
+            </a:extLst>
+          </p:cNvPr>
+          <p:cNvSpPr txBox="1"/>
+          <p:nvPr/>
+        </p:nvSpPr>
+        <p:spPr>
+          <a:xfrm>
+            <a:off x="5444836" y="5320145"/>
+            <a:ext cx="1278082" cy="369332"/>
+          </a:xfrm>
+          <a:prstGeom prst="rect">
+            <a:avLst/>
+          </a:prstGeom>
+          <a:noFill/>
+        </p:spPr>
+        <p:txBody>
+          <a:bodyPr wrap="square" rtlCol="0">
+            <a:spAutoFit/>
+          </a:bodyPr>
+          <a:lstStyle/>
+          <a:p>
+            <a:r>
+              <a:rPr kumimoji="1" lang="en-US" altLang="zh-CN" dirty="0"/>
+              <a:t>PR/ROC</a:t>
+            </a:r>
+          </a:p>
+        </p:txBody>
+      </p:sp>
+    </p:spTree>
+    <p:extLst>
+      <p:ext uri="{BB962C8B-B14F-4D97-AF65-F5344CB8AC3E}">
+        <p14:creationId xmlns:p14="http://schemas.microsoft.com/office/powerpoint/2010/main" val="1764159177"/>
+      </p:ext>
+    </p:extLst>
+  </p:cSld>
+  <p:clrMapOvr>
+    <a:masterClrMapping/>
+  </p:clrMapOvr>
+</p:sld>
+</file>
+
+<file path=ppt/slides/slide22.xml><?xml version="1.0" encoding="utf-8"?>
+<p:sld xmlns:a="http://schemas.openxmlformats.org/drawingml/2006/main" xmlns:r="http://schemas.openxmlformats.org/officeDocument/2006/relationships" xmlns:p="http://schemas.openxmlformats.org/presentationml/2006/main">
+  <p:cSld>
+    <p:spTree>
+      <p:nvGrpSpPr>
+        <p:cNvPr id="1" name=""/>
+        <p:cNvGrpSpPr/>
+        <p:nvPr/>
+      </p:nvGrpSpPr>
+      <p:grpSpPr>
+        <a:xfrm>
+          <a:off x="0" y="0"/>
+          <a:ext cx="0" cy="0"/>
+          <a:chOff x="0" y="0"/>
+          <a:chExt cx="0" cy="0"/>
+        </a:xfrm>
+      </p:grpSpPr>
+      <p:sp>
+        <p:nvSpPr>
+          <p:cNvPr id="2" name="标题 1">
+            <a:extLst>
+              <a:ext uri="{FF2B5EF4-FFF2-40B4-BE49-F238E27FC236}">
+                <a16:creationId xmlns:a16="http://schemas.microsoft.com/office/drawing/2014/main" id="{FB2324D9-5345-1A48-AF5D-A4C836D39F6D}"/>
+              </a:ext>
+            </a:extLst>
+          </p:cNvPr>
+          <p:cNvSpPr>
+            <a:spLocks noGrp="1"/>
+          </p:cNvSpPr>
+          <p:nvPr>
+            <p:ph type="title"/>
+          </p:nvPr>
+        </p:nvSpPr>
+        <p:spPr/>
+        <p:txBody>
+          <a:bodyPr/>
+          <a:lstStyle/>
+          <a:p>
+            <a:r>
+              <a:rPr lang="en" altLang="zh-CN" b="1" dirty="0"/>
+              <a:t>bp</a:t>
+            </a:r>
+            <a:r>
+              <a:rPr lang="zh-CN" altLang="en-US" b="1" dirty="0"/>
+              <a:t>神经网络 </a:t>
+            </a:r>
+            <a:br>
+              <a:rPr lang="zh-CN" altLang="en-US" dirty="0"/>
+            </a:br>
+            <a:endParaRPr kumimoji="1" lang="zh-CN" altLang="en-US" dirty="0"/>
+          </a:p>
+        </p:txBody>
+      </p:sp>
+      <p:sp>
+        <p:nvSpPr>
+          <p:cNvPr id="3" name="内容占位符 2">
+            <a:extLst>
+              <a:ext uri="{FF2B5EF4-FFF2-40B4-BE49-F238E27FC236}">
+                <a16:creationId xmlns:a16="http://schemas.microsoft.com/office/drawing/2014/main" id="{EE3FAFA6-A9DD-7745-9D1D-C350C2465A63}"/>
+              </a:ext>
+            </a:extLst>
+          </p:cNvPr>
+          <p:cNvSpPr>
+            <a:spLocks noGrp="1"/>
+          </p:cNvSpPr>
+          <p:nvPr>
+            <p:ph idx="1"/>
+          </p:nvPr>
+        </p:nvSpPr>
+        <p:spPr/>
+        <p:txBody>
+          <a:bodyPr/>
+          <a:lstStyle/>
+          <a:p>
+            <a:r>
+              <a:rPr kumimoji="1" lang="zh-CN" altLang="en-US" dirty="0"/>
+              <a:t>设置迭代次数和学习率，然后代入公式迭代，直到损失函数取最小值</a:t>
+            </a:r>
+          </a:p>
+        </p:txBody>
+      </p:sp>
+      <p:pic>
+        <p:nvPicPr>
+          <p:cNvPr id="4" name="图片 3">
+            <a:extLst>
+              <a:ext uri="{FF2B5EF4-FFF2-40B4-BE49-F238E27FC236}">
+                <a16:creationId xmlns:a16="http://schemas.microsoft.com/office/drawing/2014/main" id="{500DC19E-D8FB-1045-BDB0-9033063830A4}"/>
+              </a:ext>
+            </a:extLst>
+          </p:cNvPr>
+          <p:cNvPicPr/>
+          <p:nvPr/>
+        </p:nvPicPr>
+        <p:blipFill>
+          <a:blip r:embed="rId2"/>
+          <a:stretch>
+            <a:fillRect/>
+          </a:stretch>
+        </p:blipFill>
+        <p:spPr>
+          <a:xfrm>
+            <a:off x="358573" y="2844076"/>
+            <a:ext cx="5419260" cy="2622269"/>
+          </a:xfrm>
+          <a:prstGeom prst="rect">
+            <a:avLst/>
+          </a:prstGeom>
+        </p:spPr>
+      </p:pic>
+      <p:pic>
+        <p:nvPicPr>
+          <p:cNvPr id="5" name="图片 4">
+            <a:extLst>
+              <a:ext uri="{FF2B5EF4-FFF2-40B4-BE49-F238E27FC236}">
+                <a16:creationId xmlns:a16="http://schemas.microsoft.com/office/drawing/2014/main" id="{CD976F65-43A2-3444-AA2F-30CF3308FEB2}"/>
+              </a:ext>
+            </a:extLst>
+          </p:cNvPr>
+          <p:cNvPicPr/>
+          <p:nvPr/>
+        </p:nvPicPr>
+        <p:blipFill>
+          <a:blip r:embed="rId3"/>
+          <a:stretch>
+            <a:fillRect/>
+          </a:stretch>
+        </p:blipFill>
+        <p:spPr>
+          <a:xfrm>
+            <a:off x="6096000" y="2540495"/>
+            <a:ext cx="5317168" cy="3205677"/>
+          </a:xfrm>
+          <a:prstGeom prst="rect">
+            <a:avLst/>
+          </a:prstGeom>
+        </p:spPr>
+      </p:pic>
+    </p:spTree>
+    <p:extLst>
+      <p:ext uri="{BB962C8B-B14F-4D97-AF65-F5344CB8AC3E}">
+        <p14:creationId xmlns:p14="http://schemas.microsoft.com/office/powerpoint/2010/main" val="3510831597"/>
+      </p:ext>
+    </p:extLst>
+  </p:cSld>
+  <p:clrMapOvr>
+    <a:masterClrMapping/>
+  </p:clrMapOvr>
+</p:sld>
+</file>
+
+<file path=ppt/slides/slide23.xml><?xml version="1.0" encoding="utf-8"?>
+<p:sld xmlns:a="http://schemas.openxmlformats.org/drawingml/2006/main" xmlns:r="http://schemas.openxmlformats.org/officeDocument/2006/relationships" xmlns:p="http://schemas.openxmlformats.org/presentationml/2006/main">
+  <p:cSld>
+    <p:spTree>
+      <p:nvGrpSpPr>
+        <p:cNvPr id="1" name=""/>
+        <p:cNvGrpSpPr/>
+        <p:nvPr/>
+      </p:nvGrpSpPr>
+      <p:grpSpPr>
+        <a:xfrm>
+          <a:off x="0" y="0"/>
+          <a:ext cx="0" cy="0"/>
+          <a:chOff x="0" y="0"/>
+          <a:chExt cx="0" cy="0"/>
+        </a:xfrm>
+      </p:grpSpPr>
+      <p:sp>
+        <p:nvSpPr>
+          <p:cNvPr id="2" name="标题 1">
+            <a:extLst>
+              <a:ext uri="{FF2B5EF4-FFF2-40B4-BE49-F238E27FC236}">
                 <a16:creationId xmlns:a16="http://schemas.microsoft.com/office/drawing/2014/main" id="{B8D661E3-EA60-164B-91C5-3E8AB1748DE3}"/>
               </a:ext>
             </a:extLst>
@@ -7032,7 +7714,7 @@
 </p:sld>
 </file>
 
-<file path=ppt/slides/slide22.xml><?xml version="1.0" encoding="utf-8"?>
+<file path=ppt/slides/slide24.xml><?xml version="1.0" encoding="utf-8"?>
 <p:sld xmlns:a="http://schemas.openxmlformats.org/drawingml/2006/main" xmlns:r="http://schemas.openxmlformats.org/officeDocument/2006/relationships" xmlns:p="http://schemas.openxmlformats.org/presentationml/2006/main">
   <p:cSld>
     <p:spTree>
